--- a/lecture_notes/BIT_0.pptx
+++ b/lecture_notes/BIT_0.pptx
@@ -7,6 +7,13 @@
   <p:sldIdLst>
     <p:sldId id="256" r:id="rId2"/>
     <p:sldId id="257" r:id="rId3"/>
+    <p:sldId id="258" r:id="rId4"/>
+    <p:sldId id="259" r:id="rId5"/>
+    <p:sldId id="260" r:id="rId6"/>
+    <p:sldId id="261" r:id="rId7"/>
+    <p:sldId id="262" r:id="rId8"/>
+    <p:sldId id="264" r:id="rId9"/>
+    <p:sldId id="265" r:id="rId10"/>
   </p:sldIdLst>
   <p:sldSz cx="9144000" cy="6858000" type="screen4x3"/>
   <p:notesSz cx="6858000" cy="9144000"/>
@@ -105,6 +112,11 @@
       </a:defRPr>
     </a:lvl9pPr>
   </p:defaultTextStyle>
+  <p:extLst>
+    <p:ext uri="{EFAFB233-063F-42B5-8137-9DF3F51BA10A}">
+      <p15:sldGuideLst xmlns:p15="http://schemas.microsoft.com/office/powerpoint/2012/main"/>
+    </p:ext>
+  </p:extLst>
 </p:presentation>
 </file>
 
@@ -3024,7 +3036,9 @@
         </p:nvSpPr>
         <p:spPr/>
         <p:txBody>
-          <a:bodyPr/>
+          <a:bodyPr>
+            <a:normAutofit lnSpcReduction="10000"/>
+          </a:bodyPr>
           <a:lstStyle/>
           <a:p>
             <a:r>
@@ -3052,6 +3066,36 @@
               <a:rPr lang="en-US" noProof="0" dirty="0"/>
               <a:t>Room: 335</a:t>
             </a:r>
+          </a:p>
+          <a:p>
+            <a:r>
+              <a:rPr lang="en-US" noProof="0" dirty="0">
+                <a:hlinkClick r:id="rId2"/>
+              </a:rPr>
+              <a:t>https://github.com/</a:t>
+            </a:r>
+            <a:r>
+              <a:rPr lang="en-US" noProof="0" dirty="0" err="1">
+                <a:hlinkClick r:id="rId2"/>
+              </a:rPr>
+              <a:t>ihpar</a:t>
+            </a:r>
+            <a:r>
+              <a:rPr lang="en-US" noProof="0" dirty="0">
+                <a:hlinkClick r:id="rId2"/>
+              </a:rPr>
+              <a:t>/</a:t>
+            </a:r>
+            <a:r>
+              <a:rPr lang="en-US" noProof="0" dirty="0" err="1">
+                <a:hlinkClick r:id="rId2"/>
+              </a:rPr>
+              <a:t>bit_chem</a:t>
+            </a:r>
+            <a:endParaRPr lang="en-US" noProof="0" dirty="0"/>
+          </a:p>
+          <a:p>
+            <a:endParaRPr lang="en-US" noProof="0" dirty="0"/>
           </a:p>
         </p:txBody>
       </p:sp>
@@ -3161,6 +3205,1475 @@
     <p:extLst>
       <p:ext uri="{BB962C8B-B14F-4D97-AF65-F5344CB8AC3E}">
         <p14:creationId xmlns:p14="http://schemas.microsoft.com/office/powerpoint/2010/main" val="4007697444"/>
+      </p:ext>
+    </p:extLst>
+  </p:cSld>
+  <p:clrMapOvr>
+    <a:masterClrMapping/>
+  </p:clrMapOvr>
+</p:sld>
+</file>
+
+<file path=ppt/slides/slide3.xml><?xml version="1.0" encoding="utf-8"?>
+<p:sld xmlns:a="http://schemas.openxmlformats.org/drawingml/2006/main" xmlns:r="http://schemas.openxmlformats.org/officeDocument/2006/relationships" xmlns:p="http://schemas.openxmlformats.org/presentationml/2006/main">
+  <p:cSld>
+    <p:spTree>
+      <p:nvGrpSpPr>
+        <p:cNvPr id="1" name="">
+          <a:extLst>
+            <a:ext uri="{FF2B5EF4-FFF2-40B4-BE49-F238E27FC236}">
+              <a16:creationId xmlns:a16="http://schemas.microsoft.com/office/drawing/2014/main" id="{F669800D-9BF9-ECF3-CA69-F47A89BAA600}"/>
+            </a:ext>
+          </a:extLst>
+        </p:cNvPr>
+        <p:cNvGrpSpPr/>
+        <p:nvPr/>
+      </p:nvGrpSpPr>
+      <p:grpSpPr>
+        <a:xfrm>
+          <a:off x="0" y="0"/>
+          <a:ext cx="0" cy="0"/>
+          <a:chOff x="0" y="0"/>
+          <a:chExt cx="0" cy="0"/>
+        </a:xfrm>
+      </p:grpSpPr>
+      <p:sp>
+        <p:nvSpPr>
+          <p:cNvPr id="2" name="Title 1">
+            <a:extLst>
+              <a:ext uri="{FF2B5EF4-FFF2-40B4-BE49-F238E27FC236}">
+                <a16:creationId xmlns:a16="http://schemas.microsoft.com/office/drawing/2014/main" id="{E1EA3474-D2E7-4DB7-5339-C2937C55E516}"/>
+              </a:ext>
+            </a:extLst>
+          </p:cNvPr>
+          <p:cNvSpPr>
+            <a:spLocks noGrp="1"/>
+          </p:cNvSpPr>
+          <p:nvPr>
+            <p:ph type="title"/>
+          </p:nvPr>
+        </p:nvSpPr>
+        <p:spPr/>
+        <p:txBody>
+          <a:bodyPr/>
+          <a:lstStyle/>
+          <a:p>
+            <a:pPr marL="0" indent="0">
+              <a:buNone/>
+            </a:pPr>
+            <a:r>
+              <a:rPr lang="en-US" noProof="0" dirty="0"/>
+              <a:t>Computer System</a:t>
+            </a:r>
+          </a:p>
+        </p:txBody>
+      </p:sp>
+      <p:pic>
+        <p:nvPicPr>
+          <p:cNvPr id="5" name="Content Placeholder 4" descr="A diagram of a computer&#10;&#10;AI-generated content may be incorrect.">
+            <a:extLst>
+              <a:ext uri="{FF2B5EF4-FFF2-40B4-BE49-F238E27FC236}">
+                <a16:creationId xmlns:a16="http://schemas.microsoft.com/office/drawing/2014/main" id="{BE1CDC71-8EF7-5B41-853B-9D6FD31B3B37}"/>
+              </a:ext>
+            </a:extLst>
+          </p:cNvPr>
+          <p:cNvPicPr>
+            <a:picLocks noGrp="1" noChangeAspect="1"/>
+          </p:cNvPicPr>
+          <p:nvPr>
+            <p:ph idx="1"/>
+          </p:nvPr>
+        </p:nvPicPr>
+        <p:blipFill rotWithShape="1">
+          <a:blip r:embed="rId2"/>
+          <a:srcRect l="4746" t="3313" r="4265" b="4762"/>
+          <a:stretch/>
+        </p:blipFill>
+        <p:spPr>
+          <a:xfrm>
+            <a:off x="628650" y="1690689"/>
+            <a:ext cx="6285187" cy="4414346"/>
+          </a:xfrm>
+        </p:spPr>
+      </p:pic>
+      <p:sp>
+        <p:nvSpPr>
+          <p:cNvPr id="6" name="TextBox 5">
+            <a:extLst>
+              <a:ext uri="{FF2B5EF4-FFF2-40B4-BE49-F238E27FC236}">
+                <a16:creationId xmlns:a16="http://schemas.microsoft.com/office/drawing/2014/main" id="{4E5517D8-4002-A4FB-F27C-771EC71373E5}"/>
+              </a:ext>
+            </a:extLst>
+          </p:cNvPr>
+          <p:cNvSpPr txBox="1"/>
+          <p:nvPr/>
+        </p:nvSpPr>
+        <p:spPr>
+          <a:xfrm>
+            <a:off x="628650" y="6338985"/>
+            <a:ext cx="6538713" cy="307777"/>
+          </a:xfrm>
+          <a:prstGeom prst="rect">
+            <a:avLst/>
+          </a:prstGeom>
+          <a:noFill/>
+        </p:spPr>
+        <p:txBody>
+          <a:bodyPr wrap="none" rtlCol="0">
+            <a:spAutoFit/>
+          </a:bodyPr>
+          <a:lstStyle/>
+          <a:p>
+            <a:r>
+              <a:rPr lang="tr-TR" sz="1400" dirty="0" err="1"/>
+              <a:t>https</a:t>
+            </a:r>
+            <a:r>
+              <a:rPr lang="tr-TR" sz="1400" dirty="0"/>
+              <a:t>://www2.it.uu.se/</a:t>
+            </a:r>
+            <a:r>
+              <a:rPr lang="tr-TR" sz="1400" dirty="0" err="1"/>
+              <a:t>education</a:t>
+            </a:r>
+            <a:r>
+              <a:rPr lang="tr-TR" sz="1400" dirty="0"/>
+              <a:t>/</a:t>
+            </a:r>
+            <a:r>
+              <a:rPr lang="tr-TR" sz="1400" dirty="0" err="1"/>
+              <a:t>course</a:t>
+            </a:r>
+            <a:r>
+              <a:rPr lang="tr-TR" sz="1400" dirty="0"/>
+              <a:t>/</a:t>
+            </a:r>
+            <a:r>
+              <a:rPr lang="tr-TR" sz="1400" dirty="0" err="1"/>
+              <a:t>homepage</a:t>
+            </a:r>
+            <a:r>
+              <a:rPr lang="tr-TR" sz="1400" dirty="0"/>
+              <a:t>/</a:t>
+            </a:r>
+            <a:r>
+              <a:rPr lang="tr-TR" sz="1400" dirty="0" err="1"/>
+              <a:t>os</a:t>
+            </a:r>
+            <a:r>
+              <a:rPr lang="tr-TR" sz="1400" dirty="0"/>
+              <a:t>/vt18/module-1/</a:t>
+            </a:r>
+            <a:r>
+              <a:rPr lang="tr-TR" sz="1400" dirty="0" err="1"/>
+              <a:t>definitions</a:t>
+            </a:r>
+            <a:r>
+              <a:rPr lang="tr-TR" sz="1400" dirty="0"/>
+              <a:t>/</a:t>
+            </a:r>
+          </a:p>
+        </p:txBody>
+      </p:sp>
+    </p:spTree>
+    <p:extLst>
+      <p:ext uri="{BB962C8B-B14F-4D97-AF65-F5344CB8AC3E}">
+        <p14:creationId xmlns:p14="http://schemas.microsoft.com/office/powerpoint/2010/main" val="1105005774"/>
+      </p:ext>
+    </p:extLst>
+  </p:cSld>
+  <p:clrMapOvr>
+    <a:masterClrMapping/>
+  </p:clrMapOvr>
+</p:sld>
+</file>
+
+<file path=ppt/slides/slide4.xml><?xml version="1.0" encoding="utf-8"?>
+<p:sld xmlns:a="http://schemas.openxmlformats.org/drawingml/2006/main" xmlns:r="http://schemas.openxmlformats.org/officeDocument/2006/relationships" xmlns:p="http://schemas.openxmlformats.org/presentationml/2006/main">
+  <p:cSld>
+    <p:spTree>
+      <p:nvGrpSpPr>
+        <p:cNvPr id="1" name="">
+          <a:extLst>
+            <a:ext uri="{FF2B5EF4-FFF2-40B4-BE49-F238E27FC236}">
+              <a16:creationId xmlns:a16="http://schemas.microsoft.com/office/drawing/2014/main" id="{DED64DDD-0E02-3B7E-6227-94F79B68D404}"/>
+            </a:ext>
+          </a:extLst>
+        </p:cNvPr>
+        <p:cNvGrpSpPr/>
+        <p:nvPr/>
+      </p:nvGrpSpPr>
+      <p:grpSpPr>
+        <a:xfrm>
+          <a:off x="0" y="0"/>
+          <a:ext cx="0" cy="0"/>
+          <a:chOff x="0" y="0"/>
+          <a:chExt cx="0" cy="0"/>
+        </a:xfrm>
+      </p:grpSpPr>
+      <p:sp>
+        <p:nvSpPr>
+          <p:cNvPr id="2" name="Title 1">
+            <a:extLst>
+              <a:ext uri="{FF2B5EF4-FFF2-40B4-BE49-F238E27FC236}">
+                <a16:creationId xmlns:a16="http://schemas.microsoft.com/office/drawing/2014/main" id="{7809BA30-07C0-9C07-78B7-8EB4DD505A8D}"/>
+              </a:ext>
+            </a:extLst>
+          </p:cNvPr>
+          <p:cNvSpPr>
+            <a:spLocks noGrp="1"/>
+          </p:cNvSpPr>
+          <p:nvPr>
+            <p:ph type="title"/>
+          </p:nvPr>
+        </p:nvSpPr>
+        <p:spPr/>
+        <p:txBody>
+          <a:bodyPr/>
+          <a:lstStyle/>
+          <a:p>
+            <a:pPr marL="0" indent="0">
+              <a:buNone/>
+            </a:pPr>
+            <a:r>
+              <a:rPr lang="en-US" noProof="0" dirty="0"/>
+              <a:t>Hardware</a:t>
+            </a:r>
+          </a:p>
+        </p:txBody>
+      </p:sp>
+      <p:sp>
+        <p:nvSpPr>
+          <p:cNvPr id="3" name="Content Placeholder 2">
+            <a:extLst>
+              <a:ext uri="{FF2B5EF4-FFF2-40B4-BE49-F238E27FC236}">
+                <a16:creationId xmlns:a16="http://schemas.microsoft.com/office/drawing/2014/main" id="{24C57E31-4D18-1610-8B72-7218394B17EA}"/>
+              </a:ext>
+            </a:extLst>
+          </p:cNvPr>
+          <p:cNvSpPr>
+            <a:spLocks noGrp="1"/>
+          </p:cNvSpPr>
+          <p:nvPr>
+            <p:ph idx="1"/>
+          </p:nvPr>
+        </p:nvSpPr>
+        <p:spPr>
+          <a:xfrm>
+            <a:off x="628650" y="1825625"/>
+            <a:ext cx="7886700" cy="3187809"/>
+          </a:xfrm>
+        </p:spPr>
+        <p:txBody>
+          <a:bodyPr>
+            <a:normAutofit fontScale="70000" lnSpcReduction="20000"/>
+          </a:bodyPr>
+          <a:lstStyle/>
+          <a:p>
+            <a:pPr marL="0" indent="0">
+              <a:lnSpc>
+                <a:spcPct val="160000"/>
+              </a:lnSpc>
+              <a:buNone/>
+            </a:pPr>
+            <a:r>
+              <a:rPr lang="en-US" b="1" noProof="0" dirty="0"/>
+              <a:t>CPU</a:t>
+            </a:r>
+            <a:r>
+              <a:rPr lang="en-US" noProof="0" dirty="0"/>
+              <a:t>: The central processing unit (CPU) is the electronic circuitry within a computer that carries out the instructions of a computer program by performing the basic arithmetic, logical, control and input/output (I/O) operations specified by the instructions.</a:t>
+            </a:r>
+            <a:endParaRPr lang="en-US" dirty="0"/>
+          </a:p>
+          <a:p>
+            <a:pPr marL="0" indent="0">
+              <a:lnSpc>
+                <a:spcPct val="160000"/>
+              </a:lnSpc>
+              <a:buNone/>
+            </a:pPr>
+            <a:r>
+              <a:rPr lang="en-US" noProof="0" dirty="0"/>
+              <a:t>The fundamental operation of most CPUs is to execute a sequence of stored instructions that is called a </a:t>
+            </a:r>
+            <a:r>
+              <a:rPr lang="en-US" b="1" noProof="0" dirty="0"/>
+              <a:t>program</a:t>
+            </a:r>
+            <a:r>
+              <a:rPr lang="en-US" noProof="0" dirty="0"/>
+              <a:t>. The instructions to be executed are kept in some kind of computer memory. </a:t>
+            </a:r>
+          </a:p>
+        </p:txBody>
+      </p:sp>
+      <p:sp>
+        <p:nvSpPr>
+          <p:cNvPr id="4" name="TextBox 3">
+            <a:extLst>
+              <a:ext uri="{FF2B5EF4-FFF2-40B4-BE49-F238E27FC236}">
+                <a16:creationId xmlns:a16="http://schemas.microsoft.com/office/drawing/2014/main" id="{A58B7E63-EFC3-4C9D-E5A8-32576BB86F49}"/>
+              </a:ext>
+            </a:extLst>
+          </p:cNvPr>
+          <p:cNvSpPr txBox="1"/>
+          <p:nvPr/>
+        </p:nvSpPr>
+        <p:spPr>
+          <a:xfrm>
+            <a:off x="628650" y="5969654"/>
+            <a:ext cx="6538713" cy="523220"/>
+          </a:xfrm>
+          <a:prstGeom prst="rect">
+            <a:avLst/>
+          </a:prstGeom>
+          <a:noFill/>
+        </p:spPr>
+        <p:txBody>
+          <a:bodyPr wrap="none" rtlCol="0">
+            <a:spAutoFit/>
+          </a:bodyPr>
+          <a:lstStyle/>
+          <a:p>
+            <a:r>
+              <a:rPr lang="tr-TR" sz="1400" dirty="0" err="1"/>
+              <a:t>https</a:t>
+            </a:r>
+            <a:r>
+              <a:rPr lang="tr-TR" sz="1400" dirty="0"/>
+              <a:t>://www2.it.uu.se/</a:t>
+            </a:r>
+            <a:r>
+              <a:rPr lang="tr-TR" sz="1400" dirty="0" err="1"/>
+              <a:t>education</a:t>
+            </a:r>
+            <a:r>
+              <a:rPr lang="tr-TR" sz="1400" dirty="0"/>
+              <a:t>/</a:t>
+            </a:r>
+            <a:r>
+              <a:rPr lang="tr-TR" sz="1400" dirty="0" err="1"/>
+              <a:t>course</a:t>
+            </a:r>
+            <a:r>
+              <a:rPr lang="tr-TR" sz="1400" dirty="0"/>
+              <a:t>/</a:t>
+            </a:r>
+            <a:r>
+              <a:rPr lang="tr-TR" sz="1400" dirty="0" err="1"/>
+              <a:t>homepage</a:t>
+            </a:r>
+            <a:r>
+              <a:rPr lang="tr-TR" sz="1400" dirty="0"/>
+              <a:t>/</a:t>
+            </a:r>
+            <a:r>
+              <a:rPr lang="tr-TR" sz="1400" dirty="0" err="1"/>
+              <a:t>os</a:t>
+            </a:r>
+            <a:r>
+              <a:rPr lang="tr-TR" sz="1400" dirty="0"/>
+              <a:t>/vt18/module-1/</a:t>
+            </a:r>
+            <a:r>
+              <a:rPr lang="tr-TR" sz="1400" dirty="0" err="1"/>
+              <a:t>definitions</a:t>
+            </a:r>
+            <a:r>
+              <a:rPr lang="tr-TR" sz="1400" dirty="0"/>
+              <a:t>/</a:t>
+            </a:r>
+          </a:p>
+          <a:p>
+            <a:r>
+              <a:rPr lang="tr-TR" sz="1400" dirty="0" err="1"/>
+              <a:t>https</a:t>
+            </a:r>
+            <a:r>
+              <a:rPr lang="tr-TR" sz="1400" dirty="0"/>
+              <a:t>://</a:t>
+            </a:r>
+            <a:r>
+              <a:rPr lang="tr-TR" sz="1400" dirty="0" err="1"/>
+              <a:t>en.wikipedia.org</a:t>
+            </a:r>
+            <a:r>
+              <a:rPr lang="tr-TR" sz="1400" dirty="0"/>
+              <a:t>/wiki/</a:t>
+            </a:r>
+            <a:r>
+              <a:rPr lang="tr-TR" sz="1400" dirty="0" err="1"/>
+              <a:t>Central_processing_unit</a:t>
+            </a:r>
+            <a:endParaRPr lang="tr-TR" sz="1400" dirty="0"/>
+          </a:p>
+        </p:txBody>
+      </p:sp>
+    </p:spTree>
+    <p:extLst>
+      <p:ext uri="{BB962C8B-B14F-4D97-AF65-F5344CB8AC3E}">
+        <p14:creationId xmlns:p14="http://schemas.microsoft.com/office/powerpoint/2010/main" val="2215240191"/>
+      </p:ext>
+    </p:extLst>
+  </p:cSld>
+  <p:clrMapOvr>
+    <a:masterClrMapping/>
+  </p:clrMapOvr>
+</p:sld>
+</file>
+
+<file path=ppt/slides/slide5.xml><?xml version="1.0" encoding="utf-8"?>
+<p:sld xmlns:a="http://schemas.openxmlformats.org/drawingml/2006/main" xmlns:r="http://schemas.openxmlformats.org/officeDocument/2006/relationships" xmlns:p="http://schemas.openxmlformats.org/presentationml/2006/main">
+  <p:cSld>
+    <p:spTree>
+      <p:nvGrpSpPr>
+        <p:cNvPr id="1" name="">
+          <a:extLst>
+            <a:ext uri="{FF2B5EF4-FFF2-40B4-BE49-F238E27FC236}">
+              <a16:creationId xmlns:a16="http://schemas.microsoft.com/office/drawing/2014/main" id="{02B2FA66-E74F-27C9-767E-ADCB9009C6BF}"/>
+            </a:ext>
+          </a:extLst>
+        </p:cNvPr>
+        <p:cNvGrpSpPr/>
+        <p:nvPr/>
+      </p:nvGrpSpPr>
+      <p:grpSpPr>
+        <a:xfrm>
+          <a:off x="0" y="0"/>
+          <a:ext cx="0" cy="0"/>
+          <a:chOff x="0" y="0"/>
+          <a:chExt cx="0" cy="0"/>
+        </a:xfrm>
+      </p:grpSpPr>
+      <p:sp>
+        <p:nvSpPr>
+          <p:cNvPr id="2" name="Title 1">
+            <a:extLst>
+              <a:ext uri="{FF2B5EF4-FFF2-40B4-BE49-F238E27FC236}">
+                <a16:creationId xmlns:a16="http://schemas.microsoft.com/office/drawing/2014/main" id="{6D3AA83A-0A9C-EE0A-98C2-BBBE0B8C887A}"/>
+              </a:ext>
+            </a:extLst>
+          </p:cNvPr>
+          <p:cNvSpPr>
+            <a:spLocks noGrp="1"/>
+          </p:cNvSpPr>
+          <p:nvPr>
+            <p:ph type="title"/>
+          </p:nvPr>
+        </p:nvSpPr>
+        <p:spPr/>
+        <p:txBody>
+          <a:bodyPr/>
+          <a:lstStyle/>
+          <a:p>
+            <a:pPr marL="0" indent="0">
+              <a:buNone/>
+            </a:pPr>
+            <a:r>
+              <a:rPr lang="en-US" noProof="0" dirty="0"/>
+              <a:t>Hardware</a:t>
+            </a:r>
+          </a:p>
+        </p:txBody>
+      </p:sp>
+      <p:sp>
+        <p:nvSpPr>
+          <p:cNvPr id="3" name="Content Placeholder 2">
+            <a:extLst>
+              <a:ext uri="{FF2B5EF4-FFF2-40B4-BE49-F238E27FC236}">
+                <a16:creationId xmlns:a16="http://schemas.microsoft.com/office/drawing/2014/main" id="{81C52AF6-8EB2-BA9F-BE4D-8DA716B54941}"/>
+              </a:ext>
+            </a:extLst>
+          </p:cNvPr>
+          <p:cNvSpPr>
+            <a:spLocks noGrp="1"/>
+          </p:cNvSpPr>
+          <p:nvPr>
+            <p:ph idx="1"/>
+          </p:nvPr>
+        </p:nvSpPr>
+        <p:spPr>
+          <a:xfrm>
+            <a:off x="628650" y="1825625"/>
+            <a:ext cx="7886700" cy="3187809"/>
+          </a:xfrm>
+        </p:spPr>
+        <p:txBody>
+          <a:bodyPr>
+            <a:normAutofit fontScale="92500" lnSpcReduction="10000"/>
+          </a:bodyPr>
+          <a:lstStyle/>
+          <a:p>
+            <a:pPr marL="0" indent="0">
+              <a:lnSpc>
+                <a:spcPct val="160000"/>
+              </a:lnSpc>
+              <a:buNone/>
+            </a:pPr>
+            <a:r>
+              <a:rPr lang="en-US" b="1" noProof="0" dirty="0"/>
+              <a:t>Memory</a:t>
+            </a:r>
+            <a:r>
+              <a:rPr lang="en-US" noProof="0" dirty="0"/>
+              <a:t>: </a:t>
+            </a:r>
+            <a:r>
+              <a:rPr lang="en-US" dirty="0"/>
+              <a:t>Memory refers to the computer hardware integrated circuits that store information for immediate use in a computer.</a:t>
+            </a:r>
+          </a:p>
+          <a:p>
+            <a:pPr marL="0" indent="0">
+              <a:lnSpc>
+                <a:spcPct val="160000"/>
+              </a:lnSpc>
+              <a:buNone/>
+            </a:pPr>
+            <a:r>
+              <a:rPr lang="en-US" noProof="0" dirty="0"/>
+              <a:t>The term memory is often synonymous with the terms </a:t>
+            </a:r>
+            <a:r>
+              <a:rPr lang="en-US" b="1" noProof="0" dirty="0"/>
+              <a:t>RAM</a:t>
+            </a:r>
+            <a:r>
+              <a:rPr lang="en-US" noProof="0" dirty="0"/>
+              <a:t>, main memory, or primary storage.</a:t>
+            </a:r>
+          </a:p>
+        </p:txBody>
+      </p:sp>
+      <p:sp>
+        <p:nvSpPr>
+          <p:cNvPr id="4" name="TextBox 3">
+            <a:extLst>
+              <a:ext uri="{FF2B5EF4-FFF2-40B4-BE49-F238E27FC236}">
+                <a16:creationId xmlns:a16="http://schemas.microsoft.com/office/drawing/2014/main" id="{89BDFD53-7CC7-2C5D-894B-BF3339E9065F}"/>
+              </a:ext>
+            </a:extLst>
+          </p:cNvPr>
+          <p:cNvSpPr txBox="1"/>
+          <p:nvPr/>
+        </p:nvSpPr>
+        <p:spPr>
+          <a:xfrm>
+            <a:off x="628650" y="5969654"/>
+            <a:ext cx="6538713" cy="523220"/>
+          </a:xfrm>
+          <a:prstGeom prst="rect">
+            <a:avLst/>
+          </a:prstGeom>
+          <a:noFill/>
+        </p:spPr>
+        <p:txBody>
+          <a:bodyPr wrap="none" rtlCol="0">
+            <a:spAutoFit/>
+          </a:bodyPr>
+          <a:lstStyle/>
+          <a:p>
+            <a:r>
+              <a:rPr lang="tr-TR" sz="1400" dirty="0" err="1"/>
+              <a:t>https</a:t>
+            </a:r>
+            <a:r>
+              <a:rPr lang="tr-TR" sz="1400" dirty="0"/>
+              <a:t>://www2.it.uu.se/</a:t>
+            </a:r>
+            <a:r>
+              <a:rPr lang="tr-TR" sz="1400" dirty="0" err="1"/>
+              <a:t>education</a:t>
+            </a:r>
+            <a:r>
+              <a:rPr lang="tr-TR" sz="1400" dirty="0"/>
+              <a:t>/</a:t>
+            </a:r>
+            <a:r>
+              <a:rPr lang="tr-TR" sz="1400" dirty="0" err="1"/>
+              <a:t>course</a:t>
+            </a:r>
+            <a:r>
+              <a:rPr lang="tr-TR" sz="1400" dirty="0"/>
+              <a:t>/</a:t>
+            </a:r>
+            <a:r>
+              <a:rPr lang="tr-TR" sz="1400" dirty="0" err="1"/>
+              <a:t>homepage</a:t>
+            </a:r>
+            <a:r>
+              <a:rPr lang="tr-TR" sz="1400" dirty="0"/>
+              <a:t>/</a:t>
+            </a:r>
+            <a:r>
+              <a:rPr lang="tr-TR" sz="1400" dirty="0" err="1"/>
+              <a:t>os</a:t>
+            </a:r>
+            <a:r>
+              <a:rPr lang="tr-TR" sz="1400" dirty="0"/>
+              <a:t>/vt18/module-1/</a:t>
+            </a:r>
+            <a:r>
+              <a:rPr lang="tr-TR" sz="1400" dirty="0" err="1"/>
+              <a:t>definitions</a:t>
+            </a:r>
+            <a:r>
+              <a:rPr lang="tr-TR" sz="1400" dirty="0"/>
+              <a:t>/</a:t>
+            </a:r>
+          </a:p>
+          <a:p>
+            <a:r>
+              <a:rPr lang="tr-TR" sz="1400" dirty="0" err="1"/>
+              <a:t>https</a:t>
+            </a:r>
+            <a:r>
+              <a:rPr lang="tr-TR" sz="1400" dirty="0"/>
+              <a:t>://</a:t>
+            </a:r>
+            <a:r>
+              <a:rPr lang="tr-TR" sz="1400" dirty="0" err="1"/>
+              <a:t>en.wikipedia.org</a:t>
+            </a:r>
+            <a:r>
+              <a:rPr lang="tr-TR" sz="1400" dirty="0"/>
+              <a:t>/wiki/</a:t>
+            </a:r>
+            <a:r>
+              <a:rPr lang="tr-TR" sz="1400" dirty="0" err="1"/>
+              <a:t>Computer_memory</a:t>
+            </a:r>
+            <a:endParaRPr lang="tr-TR" sz="1400" dirty="0"/>
+          </a:p>
+        </p:txBody>
+      </p:sp>
+    </p:spTree>
+    <p:extLst>
+      <p:ext uri="{BB962C8B-B14F-4D97-AF65-F5344CB8AC3E}">
+        <p14:creationId xmlns:p14="http://schemas.microsoft.com/office/powerpoint/2010/main" val="823206016"/>
+      </p:ext>
+    </p:extLst>
+  </p:cSld>
+  <p:clrMapOvr>
+    <a:masterClrMapping/>
+  </p:clrMapOvr>
+</p:sld>
+</file>
+
+<file path=ppt/slides/slide6.xml><?xml version="1.0" encoding="utf-8"?>
+<p:sld xmlns:a="http://schemas.openxmlformats.org/drawingml/2006/main" xmlns:r="http://schemas.openxmlformats.org/officeDocument/2006/relationships" xmlns:p="http://schemas.openxmlformats.org/presentationml/2006/main">
+  <p:cSld>
+    <p:spTree>
+      <p:nvGrpSpPr>
+        <p:cNvPr id="1" name="">
+          <a:extLst>
+            <a:ext uri="{FF2B5EF4-FFF2-40B4-BE49-F238E27FC236}">
+              <a16:creationId xmlns:a16="http://schemas.microsoft.com/office/drawing/2014/main" id="{78FDF2B8-DEC5-CA4F-75EF-D11747ABA7E9}"/>
+            </a:ext>
+          </a:extLst>
+        </p:cNvPr>
+        <p:cNvGrpSpPr/>
+        <p:nvPr/>
+      </p:nvGrpSpPr>
+      <p:grpSpPr>
+        <a:xfrm>
+          <a:off x="0" y="0"/>
+          <a:ext cx="0" cy="0"/>
+          <a:chOff x="0" y="0"/>
+          <a:chExt cx="0" cy="0"/>
+        </a:xfrm>
+      </p:grpSpPr>
+      <p:sp>
+        <p:nvSpPr>
+          <p:cNvPr id="2" name="Title 1">
+            <a:extLst>
+              <a:ext uri="{FF2B5EF4-FFF2-40B4-BE49-F238E27FC236}">
+                <a16:creationId xmlns:a16="http://schemas.microsoft.com/office/drawing/2014/main" id="{4D39C0A2-A830-602F-C7C7-0D7CFBCDF04D}"/>
+              </a:ext>
+            </a:extLst>
+          </p:cNvPr>
+          <p:cNvSpPr>
+            <a:spLocks noGrp="1"/>
+          </p:cNvSpPr>
+          <p:nvPr>
+            <p:ph type="title"/>
+          </p:nvPr>
+        </p:nvSpPr>
+        <p:spPr/>
+        <p:txBody>
+          <a:bodyPr/>
+          <a:lstStyle/>
+          <a:p>
+            <a:pPr marL="0" indent="0">
+              <a:buNone/>
+            </a:pPr>
+            <a:r>
+              <a:rPr lang="en-US" noProof="0" dirty="0"/>
+              <a:t>Hardware</a:t>
+            </a:r>
+          </a:p>
+        </p:txBody>
+      </p:sp>
+      <p:sp>
+        <p:nvSpPr>
+          <p:cNvPr id="3" name="Content Placeholder 2">
+            <a:extLst>
+              <a:ext uri="{FF2B5EF4-FFF2-40B4-BE49-F238E27FC236}">
+                <a16:creationId xmlns:a16="http://schemas.microsoft.com/office/drawing/2014/main" id="{A41502CB-DBA0-34C1-D5BF-6B9BD07381D1}"/>
+              </a:ext>
+            </a:extLst>
+          </p:cNvPr>
+          <p:cNvSpPr>
+            <a:spLocks noGrp="1"/>
+          </p:cNvSpPr>
+          <p:nvPr>
+            <p:ph idx="1"/>
+          </p:nvPr>
+        </p:nvSpPr>
+        <p:spPr>
+          <a:xfrm>
+            <a:off x="628650" y="1825625"/>
+            <a:ext cx="7886700" cy="3187809"/>
+          </a:xfrm>
+        </p:spPr>
+        <p:txBody>
+          <a:bodyPr>
+            <a:normAutofit/>
+          </a:bodyPr>
+          <a:lstStyle/>
+          <a:p>
+            <a:pPr marL="0" indent="0">
+              <a:lnSpc>
+                <a:spcPct val="160000"/>
+              </a:lnSpc>
+              <a:buNone/>
+            </a:pPr>
+            <a:r>
+              <a:rPr lang="en-US" sz="2000" b="1" noProof="0" dirty="0"/>
+              <a:t>Input/Output (I/O)</a:t>
+            </a:r>
+            <a:r>
+              <a:rPr lang="en-US" sz="2000" noProof="0" dirty="0"/>
+              <a:t>: </a:t>
+            </a:r>
+            <a:r>
+              <a:rPr lang="en-US" sz="2000" dirty="0"/>
+              <a:t>I/O is the communication between a computer, and the outside world, possibly a human or another information processing system. </a:t>
+            </a:r>
+          </a:p>
+          <a:p>
+            <a:pPr marL="0" indent="0">
+              <a:lnSpc>
+                <a:spcPct val="160000"/>
+              </a:lnSpc>
+              <a:buNone/>
+            </a:pPr>
+            <a:r>
+              <a:rPr lang="en-US" sz="2000" dirty="0"/>
+              <a:t>Inputs are the signals or data received by the system and outputs are the signals or data sent from it. </a:t>
+            </a:r>
+            <a:endParaRPr lang="en-US" sz="2000" noProof="0" dirty="0"/>
+          </a:p>
+        </p:txBody>
+      </p:sp>
+      <p:sp>
+        <p:nvSpPr>
+          <p:cNvPr id="4" name="TextBox 3">
+            <a:extLst>
+              <a:ext uri="{FF2B5EF4-FFF2-40B4-BE49-F238E27FC236}">
+                <a16:creationId xmlns:a16="http://schemas.microsoft.com/office/drawing/2014/main" id="{81BD45D2-8CCF-DA01-B082-24C2FBBE5009}"/>
+              </a:ext>
+            </a:extLst>
+          </p:cNvPr>
+          <p:cNvSpPr txBox="1"/>
+          <p:nvPr/>
+        </p:nvSpPr>
+        <p:spPr>
+          <a:xfrm>
+            <a:off x="628650" y="6185097"/>
+            <a:ext cx="6538713" cy="307777"/>
+          </a:xfrm>
+          <a:prstGeom prst="rect">
+            <a:avLst/>
+          </a:prstGeom>
+          <a:noFill/>
+        </p:spPr>
+        <p:txBody>
+          <a:bodyPr wrap="none" rtlCol="0">
+            <a:spAutoFit/>
+          </a:bodyPr>
+          <a:lstStyle/>
+          <a:p>
+            <a:r>
+              <a:rPr lang="tr-TR" sz="1400" dirty="0" err="1"/>
+              <a:t>https</a:t>
+            </a:r>
+            <a:r>
+              <a:rPr lang="tr-TR" sz="1400" dirty="0"/>
+              <a:t>://www2.it.uu.se/</a:t>
+            </a:r>
+            <a:r>
+              <a:rPr lang="tr-TR" sz="1400" dirty="0" err="1"/>
+              <a:t>education</a:t>
+            </a:r>
+            <a:r>
+              <a:rPr lang="tr-TR" sz="1400" dirty="0"/>
+              <a:t>/</a:t>
+            </a:r>
+            <a:r>
+              <a:rPr lang="tr-TR" sz="1400" dirty="0" err="1"/>
+              <a:t>course</a:t>
+            </a:r>
+            <a:r>
+              <a:rPr lang="tr-TR" sz="1400" dirty="0"/>
+              <a:t>/</a:t>
+            </a:r>
+            <a:r>
+              <a:rPr lang="tr-TR" sz="1400" dirty="0" err="1"/>
+              <a:t>homepage</a:t>
+            </a:r>
+            <a:r>
+              <a:rPr lang="tr-TR" sz="1400" dirty="0"/>
+              <a:t>/</a:t>
+            </a:r>
+            <a:r>
+              <a:rPr lang="tr-TR" sz="1400" dirty="0" err="1"/>
+              <a:t>os</a:t>
+            </a:r>
+            <a:r>
+              <a:rPr lang="tr-TR" sz="1400" dirty="0"/>
+              <a:t>/vt18/module-1/</a:t>
+            </a:r>
+            <a:r>
+              <a:rPr lang="tr-TR" sz="1400" dirty="0" err="1"/>
+              <a:t>definitions</a:t>
+            </a:r>
+            <a:r>
+              <a:rPr lang="tr-TR" sz="1400" dirty="0"/>
+              <a:t>/</a:t>
+            </a:r>
+          </a:p>
+        </p:txBody>
+      </p:sp>
+    </p:spTree>
+    <p:extLst>
+      <p:ext uri="{BB962C8B-B14F-4D97-AF65-F5344CB8AC3E}">
+        <p14:creationId xmlns:p14="http://schemas.microsoft.com/office/powerpoint/2010/main" val="2984223378"/>
+      </p:ext>
+    </p:extLst>
+  </p:cSld>
+  <p:clrMapOvr>
+    <a:masterClrMapping/>
+  </p:clrMapOvr>
+</p:sld>
+</file>
+
+<file path=ppt/slides/slide7.xml><?xml version="1.0" encoding="utf-8"?>
+<p:sld xmlns:a="http://schemas.openxmlformats.org/drawingml/2006/main" xmlns:r="http://schemas.openxmlformats.org/officeDocument/2006/relationships" xmlns:p="http://schemas.openxmlformats.org/presentationml/2006/main">
+  <p:cSld>
+    <p:spTree>
+      <p:nvGrpSpPr>
+        <p:cNvPr id="1" name="">
+          <a:extLst>
+            <a:ext uri="{FF2B5EF4-FFF2-40B4-BE49-F238E27FC236}">
+              <a16:creationId xmlns:a16="http://schemas.microsoft.com/office/drawing/2014/main" id="{B5575E6D-96F4-3E8B-FFAC-00018194E3D5}"/>
+            </a:ext>
+          </a:extLst>
+        </p:cNvPr>
+        <p:cNvGrpSpPr/>
+        <p:nvPr/>
+      </p:nvGrpSpPr>
+      <p:grpSpPr>
+        <a:xfrm>
+          <a:off x="0" y="0"/>
+          <a:ext cx="0" cy="0"/>
+          <a:chOff x="0" y="0"/>
+          <a:chExt cx="0" cy="0"/>
+        </a:xfrm>
+      </p:grpSpPr>
+      <p:sp>
+        <p:nvSpPr>
+          <p:cNvPr id="2" name="Title 1">
+            <a:extLst>
+              <a:ext uri="{FF2B5EF4-FFF2-40B4-BE49-F238E27FC236}">
+                <a16:creationId xmlns:a16="http://schemas.microsoft.com/office/drawing/2014/main" id="{A3E56B1B-62C4-3D4F-2FAA-E94B472BD226}"/>
+              </a:ext>
+            </a:extLst>
+          </p:cNvPr>
+          <p:cNvSpPr>
+            <a:spLocks noGrp="1"/>
+          </p:cNvSpPr>
+          <p:nvPr>
+            <p:ph type="title"/>
+          </p:nvPr>
+        </p:nvSpPr>
+        <p:spPr/>
+        <p:txBody>
+          <a:bodyPr/>
+          <a:lstStyle/>
+          <a:p>
+            <a:pPr marL="0" indent="0">
+              <a:buNone/>
+            </a:pPr>
+            <a:r>
+              <a:rPr lang="en-US" noProof="0" dirty="0"/>
+              <a:t>Hardware</a:t>
+            </a:r>
+          </a:p>
+        </p:txBody>
+      </p:sp>
+      <p:sp>
+        <p:nvSpPr>
+          <p:cNvPr id="4" name="TextBox 3">
+            <a:extLst>
+              <a:ext uri="{FF2B5EF4-FFF2-40B4-BE49-F238E27FC236}">
+                <a16:creationId xmlns:a16="http://schemas.microsoft.com/office/drawing/2014/main" id="{593CC954-F16D-A18D-EED9-C9DB6A17B71D}"/>
+              </a:ext>
+            </a:extLst>
+          </p:cNvPr>
+          <p:cNvSpPr txBox="1"/>
+          <p:nvPr/>
+        </p:nvSpPr>
+        <p:spPr>
+          <a:xfrm>
+            <a:off x="628650" y="6185097"/>
+            <a:ext cx="6538713" cy="307777"/>
+          </a:xfrm>
+          <a:prstGeom prst="rect">
+            <a:avLst/>
+          </a:prstGeom>
+          <a:noFill/>
+        </p:spPr>
+        <p:txBody>
+          <a:bodyPr wrap="none" rtlCol="0">
+            <a:spAutoFit/>
+          </a:bodyPr>
+          <a:lstStyle/>
+          <a:p>
+            <a:r>
+              <a:rPr lang="tr-TR" sz="1400" dirty="0" err="1"/>
+              <a:t>https</a:t>
+            </a:r>
+            <a:r>
+              <a:rPr lang="tr-TR" sz="1400" dirty="0"/>
+              <a:t>://www2.it.uu.se/</a:t>
+            </a:r>
+            <a:r>
+              <a:rPr lang="tr-TR" sz="1400" dirty="0" err="1"/>
+              <a:t>education</a:t>
+            </a:r>
+            <a:r>
+              <a:rPr lang="tr-TR" sz="1400" dirty="0"/>
+              <a:t>/</a:t>
+            </a:r>
+            <a:r>
+              <a:rPr lang="tr-TR" sz="1400" dirty="0" err="1"/>
+              <a:t>course</a:t>
+            </a:r>
+            <a:r>
+              <a:rPr lang="tr-TR" sz="1400" dirty="0"/>
+              <a:t>/</a:t>
+            </a:r>
+            <a:r>
+              <a:rPr lang="tr-TR" sz="1400" dirty="0" err="1"/>
+              <a:t>homepage</a:t>
+            </a:r>
+            <a:r>
+              <a:rPr lang="tr-TR" sz="1400" dirty="0"/>
+              <a:t>/</a:t>
+            </a:r>
+            <a:r>
+              <a:rPr lang="tr-TR" sz="1400" dirty="0" err="1"/>
+              <a:t>os</a:t>
+            </a:r>
+            <a:r>
+              <a:rPr lang="tr-TR" sz="1400" dirty="0"/>
+              <a:t>/vt18/module-1/</a:t>
+            </a:r>
+            <a:r>
+              <a:rPr lang="tr-TR" sz="1400" dirty="0" err="1"/>
+              <a:t>definitions</a:t>
+            </a:r>
+            <a:r>
+              <a:rPr lang="tr-TR" sz="1400" dirty="0"/>
+              <a:t>/</a:t>
+            </a:r>
+          </a:p>
+        </p:txBody>
+      </p:sp>
+      <p:pic>
+        <p:nvPicPr>
+          <p:cNvPr id="8" name="Picture 7" descr="A diagram of a computer&#10;&#10;AI-generated content may be incorrect.">
+            <a:extLst>
+              <a:ext uri="{FF2B5EF4-FFF2-40B4-BE49-F238E27FC236}">
+                <a16:creationId xmlns:a16="http://schemas.microsoft.com/office/drawing/2014/main" id="{0CF3A90E-3F9A-6E85-0DFF-C1E83B8770C6}"/>
+              </a:ext>
+            </a:extLst>
+          </p:cNvPr>
+          <p:cNvPicPr>
+            <a:picLocks noChangeAspect="1"/>
+          </p:cNvPicPr>
+          <p:nvPr/>
+        </p:nvPicPr>
+        <p:blipFill>
+          <a:blip r:embed="rId2"/>
+          <a:srcRect l="2170" t="2138" r="2741" b="2216"/>
+          <a:stretch/>
+        </p:blipFill>
+        <p:spPr>
+          <a:xfrm>
+            <a:off x="628650" y="1690689"/>
+            <a:ext cx="7791040" cy="4494408"/>
+          </a:xfrm>
+          <a:prstGeom prst="rect">
+            <a:avLst/>
+          </a:prstGeom>
+        </p:spPr>
+      </p:pic>
+    </p:spTree>
+    <p:extLst>
+      <p:ext uri="{BB962C8B-B14F-4D97-AF65-F5344CB8AC3E}">
+        <p14:creationId xmlns:p14="http://schemas.microsoft.com/office/powerpoint/2010/main" val="4203279678"/>
+      </p:ext>
+    </p:extLst>
+  </p:cSld>
+  <p:clrMapOvr>
+    <a:masterClrMapping/>
+  </p:clrMapOvr>
+</p:sld>
+</file>
+
+<file path=ppt/slides/slide8.xml><?xml version="1.0" encoding="utf-8"?>
+<p:sld xmlns:a="http://schemas.openxmlformats.org/drawingml/2006/main" xmlns:r="http://schemas.openxmlformats.org/officeDocument/2006/relationships" xmlns:p="http://schemas.openxmlformats.org/presentationml/2006/main">
+  <p:cSld>
+    <p:spTree>
+      <p:nvGrpSpPr>
+        <p:cNvPr id="1" name="">
+          <a:extLst>
+            <a:ext uri="{FF2B5EF4-FFF2-40B4-BE49-F238E27FC236}">
+              <a16:creationId xmlns:a16="http://schemas.microsoft.com/office/drawing/2014/main" id="{FA652C8C-05AF-707C-AA6B-76F298C2B5EA}"/>
+            </a:ext>
+          </a:extLst>
+        </p:cNvPr>
+        <p:cNvGrpSpPr/>
+        <p:nvPr/>
+      </p:nvGrpSpPr>
+      <p:grpSpPr>
+        <a:xfrm>
+          <a:off x="0" y="0"/>
+          <a:ext cx="0" cy="0"/>
+          <a:chOff x="0" y="0"/>
+          <a:chExt cx="0" cy="0"/>
+        </a:xfrm>
+      </p:grpSpPr>
+      <p:sp>
+        <p:nvSpPr>
+          <p:cNvPr id="2" name="Title 1">
+            <a:extLst>
+              <a:ext uri="{FF2B5EF4-FFF2-40B4-BE49-F238E27FC236}">
+                <a16:creationId xmlns:a16="http://schemas.microsoft.com/office/drawing/2014/main" id="{199AE5F2-835E-346B-0B17-AA28740C07F9}"/>
+              </a:ext>
+            </a:extLst>
+          </p:cNvPr>
+          <p:cNvSpPr>
+            <a:spLocks noGrp="1"/>
+          </p:cNvSpPr>
+          <p:nvPr>
+            <p:ph type="title"/>
+          </p:nvPr>
+        </p:nvSpPr>
+        <p:spPr/>
+        <p:txBody>
+          <a:bodyPr/>
+          <a:lstStyle/>
+          <a:p>
+            <a:pPr marL="0" indent="0">
+              <a:buNone/>
+            </a:pPr>
+            <a:r>
+              <a:rPr lang="en-US" noProof="0" dirty="0"/>
+              <a:t>Software</a:t>
+            </a:r>
+          </a:p>
+        </p:txBody>
+      </p:sp>
+      <p:sp>
+        <p:nvSpPr>
+          <p:cNvPr id="3" name="Content Placeholder 2">
+            <a:extLst>
+              <a:ext uri="{FF2B5EF4-FFF2-40B4-BE49-F238E27FC236}">
+                <a16:creationId xmlns:a16="http://schemas.microsoft.com/office/drawing/2014/main" id="{00B3DF1B-6AEB-A8B2-6399-08053CC59714}"/>
+              </a:ext>
+            </a:extLst>
+          </p:cNvPr>
+          <p:cNvSpPr>
+            <a:spLocks noGrp="1"/>
+          </p:cNvSpPr>
+          <p:nvPr>
+            <p:ph idx="1"/>
+          </p:nvPr>
+        </p:nvSpPr>
+        <p:spPr>
+          <a:xfrm>
+            <a:off x="628650" y="1825625"/>
+            <a:ext cx="7886700" cy="4133741"/>
+          </a:xfrm>
+        </p:spPr>
+        <p:txBody>
+          <a:bodyPr>
+            <a:normAutofit/>
+          </a:bodyPr>
+          <a:lstStyle/>
+          <a:p>
+            <a:pPr marL="0" indent="0">
+              <a:lnSpc>
+                <a:spcPct val="160000"/>
+              </a:lnSpc>
+              <a:buNone/>
+            </a:pPr>
+            <a:r>
+              <a:rPr lang="en-US" sz="2000" b="1" noProof="0" dirty="0"/>
+              <a:t>Operating system</a:t>
+            </a:r>
+            <a:r>
+              <a:rPr lang="en-US" sz="2000" noProof="0" dirty="0"/>
+              <a:t>: </a:t>
+            </a:r>
+            <a:r>
+              <a:rPr lang="en-US" sz="2000" dirty="0"/>
+              <a:t>An operating system (OS) is system software that manages computer hardware and software resources and provides common services for computer programs. The OS controls the hardware and coordinates its use among the various application programs for the various user. </a:t>
+            </a:r>
+          </a:p>
+          <a:p>
+            <a:pPr marL="0" indent="0">
+              <a:lnSpc>
+                <a:spcPct val="160000"/>
+              </a:lnSpc>
+              <a:buNone/>
+            </a:pPr>
+            <a:r>
+              <a:rPr lang="en-US" sz="2000" dirty="0"/>
+              <a:t>Examples: Windows, MacOS, Linux</a:t>
+            </a:r>
+          </a:p>
+          <a:p>
+            <a:pPr marL="0" indent="0">
+              <a:lnSpc>
+                <a:spcPct val="160000"/>
+              </a:lnSpc>
+              <a:buNone/>
+            </a:pPr>
+            <a:endParaRPr lang="en-US" sz="2000" noProof="0" dirty="0"/>
+          </a:p>
+        </p:txBody>
+      </p:sp>
+      <p:sp>
+        <p:nvSpPr>
+          <p:cNvPr id="4" name="TextBox 3">
+            <a:extLst>
+              <a:ext uri="{FF2B5EF4-FFF2-40B4-BE49-F238E27FC236}">
+                <a16:creationId xmlns:a16="http://schemas.microsoft.com/office/drawing/2014/main" id="{BBA1F032-4A74-6EA4-4851-060254D18DDA}"/>
+              </a:ext>
+            </a:extLst>
+          </p:cNvPr>
+          <p:cNvSpPr txBox="1"/>
+          <p:nvPr/>
+        </p:nvSpPr>
+        <p:spPr>
+          <a:xfrm>
+            <a:off x="628650" y="6185097"/>
+            <a:ext cx="6538713" cy="307777"/>
+          </a:xfrm>
+          <a:prstGeom prst="rect">
+            <a:avLst/>
+          </a:prstGeom>
+          <a:noFill/>
+        </p:spPr>
+        <p:txBody>
+          <a:bodyPr wrap="none" rtlCol="0">
+            <a:spAutoFit/>
+          </a:bodyPr>
+          <a:lstStyle/>
+          <a:p>
+            <a:r>
+              <a:rPr lang="tr-TR" sz="1400" dirty="0" err="1"/>
+              <a:t>https</a:t>
+            </a:r>
+            <a:r>
+              <a:rPr lang="tr-TR" sz="1400" dirty="0"/>
+              <a:t>://www2.it.uu.se/</a:t>
+            </a:r>
+            <a:r>
+              <a:rPr lang="tr-TR" sz="1400" dirty="0" err="1"/>
+              <a:t>education</a:t>
+            </a:r>
+            <a:r>
+              <a:rPr lang="tr-TR" sz="1400" dirty="0"/>
+              <a:t>/</a:t>
+            </a:r>
+            <a:r>
+              <a:rPr lang="tr-TR" sz="1400" dirty="0" err="1"/>
+              <a:t>course</a:t>
+            </a:r>
+            <a:r>
+              <a:rPr lang="tr-TR" sz="1400" dirty="0"/>
+              <a:t>/</a:t>
+            </a:r>
+            <a:r>
+              <a:rPr lang="tr-TR" sz="1400" dirty="0" err="1"/>
+              <a:t>homepage</a:t>
+            </a:r>
+            <a:r>
+              <a:rPr lang="tr-TR" sz="1400" dirty="0"/>
+              <a:t>/</a:t>
+            </a:r>
+            <a:r>
+              <a:rPr lang="tr-TR" sz="1400" dirty="0" err="1"/>
+              <a:t>os</a:t>
+            </a:r>
+            <a:r>
+              <a:rPr lang="tr-TR" sz="1400" dirty="0"/>
+              <a:t>/vt18/module-1/</a:t>
+            </a:r>
+            <a:r>
+              <a:rPr lang="tr-TR" sz="1400" dirty="0" err="1"/>
+              <a:t>definitions</a:t>
+            </a:r>
+            <a:r>
+              <a:rPr lang="tr-TR" sz="1400" dirty="0"/>
+              <a:t>/</a:t>
+            </a:r>
+          </a:p>
+        </p:txBody>
+      </p:sp>
+    </p:spTree>
+    <p:extLst>
+      <p:ext uri="{BB962C8B-B14F-4D97-AF65-F5344CB8AC3E}">
+        <p14:creationId xmlns:p14="http://schemas.microsoft.com/office/powerpoint/2010/main" val="3326961755"/>
+      </p:ext>
+    </p:extLst>
+  </p:cSld>
+  <p:clrMapOvr>
+    <a:masterClrMapping/>
+  </p:clrMapOvr>
+</p:sld>
+</file>
+
+<file path=ppt/slides/slide9.xml><?xml version="1.0" encoding="utf-8"?>
+<p:sld xmlns:a="http://schemas.openxmlformats.org/drawingml/2006/main" xmlns:r="http://schemas.openxmlformats.org/officeDocument/2006/relationships" xmlns:p="http://schemas.openxmlformats.org/presentationml/2006/main">
+  <p:cSld>
+    <p:spTree>
+      <p:nvGrpSpPr>
+        <p:cNvPr id="1" name="">
+          <a:extLst>
+            <a:ext uri="{FF2B5EF4-FFF2-40B4-BE49-F238E27FC236}">
+              <a16:creationId xmlns:a16="http://schemas.microsoft.com/office/drawing/2014/main" id="{AFAE1B35-893B-3C14-7CB6-20888F929B83}"/>
+            </a:ext>
+          </a:extLst>
+        </p:cNvPr>
+        <p:cNvGrpSpPr/>
+        <p:nvPr/>
+      </p:nvGrpSpPr>
+      <p:grpSpPr>
+        <a:xfrm>
+          <a:off x="0" y="0"/>
+          <a:ext cx="0" cy="0"/>
+          <a:chOff x="0" y="0"/>
+          <a:chExt cx="0" cy="0"/>
+        </a:xfrm>
+      </p:grpSpPr>
+      <p:sp>
+        <p:nvSpPr>
+          <p:cNvPr id="2" name="Title 1">
+            <a:extLst>
+              <a:ext uri="{FF2B5EF4-FFF2-40B4-BE49-F238E27FC236}">
+                <a16:creationId xmlns:a16="http://schemas.microsoft.com/office/drawing/2014/main" id="{2FA6B830-2F7A-F27A-A1D8-867971C8C209}"/>
+              </a:ext>
+            </a:extLst>
+          </p:cNvPr>
+          <p:cNvSpPr>
+            <a:spLocks noGrp="1"/>
+          </p:cNvSpPr>
+          <p:nvPr>
+            <p:ph type="title"/>
+          </p:nvPr>
+        </p:nvSpPr>
+        <p:spPr/>
+        <p:txBody>
+          <a:bodyPr/>
+          <a:lstStyle/>
+          <a:p>
+            <a:pPr marL="0" indent="0">
+              <a:buNone/>
+            </a:pPr>
+            <a:r>
+              <a:rPr lang="en-US" noProof="0" dirty="0"/>
+              <a:t>Software</a:t>
+            </a:r>
+          </a:p>
+        </p:txBody>
+      </p:sp>
+      <p:sp>
+        <p:nvSpPr>
+          <p:cNvPr id="3" name="Content Placeholder 2">
+            <a:extLst>
+              <a:ext uri="{FF2B5EF4-FFF2-40B4-BE49-F238E27FC236}">
+                <a16:creationId xmlns:a16="http://schemas.microsoft.com/office/drawing/2014/main" id="{BF0719F0-7BA9-90D8-97E2-E553992250B1}"/>
+              </a:ext>
+            </a:extLst>
+          </p:cNvPr>
+          <p:cNvSpPr>
+            <a:spLocks noGrp="1"/>
+          </p:cNvSpPr>
+          <p:nvPr>
+            <p:ph idx="1"/>
+          </p:nvPr>
+        </p:nvSpPr>
+        <p:spPr>
+          <a:xfrm>
+            <a:off x="628650" y="1825625"/>
+            <a:ext cx="7886700" cy="4133741"/>
+          </a:xfrm>
+        </p:spPr>
+        <p:txBody>
+          <a:bodyPr>
+            <a:normAutofit fontScale="92500" lnSpcReduction="20000"/>
+          </a:bodyPr>
+          <a:lstStyle/>
+          <a:p>
+            <a:pPr marL="0" indent="0">
+              <a:lnSpc>
+                <a:spcPct val="160000"/>
+              </a:lnSpc>
+              <a:buNone/>
+            </a:pPr>
+            <a:r>
+              <a:rPr lang="en-US" sz="2000" b="1" noProof="0" dirty="0"/>
+              <a:t>Program</a:t>
+            </a:r>
+            <a:r>
+              <a:rPr lang="en-US" sz="2000" noProof="0" dirty="0"/>
+              <a:t>: A set of instructions which is in human readable format. A passive entity stored on secondary storage. </a:t>
+            </a:r>
+          </a:p>
+          <a:p>
+            <a:pPr marL="0" indent="0">
+              <a:lnSpc>
+                <a:spcPct val="160000"/>
+              </a:lnSpc>
+              <a:buNone/>
+            </a:pPr>
+            <a:r>
+              <a:rPr lang="en-US" sz="2000" b="1" noProof="0" dirty="0"/>
+              <a:t>Executable</a:t>
+            </a:r>
+            <a:r>
+              <a:rPr lang="en-US" sz="2000" noProof="0" dirty="0"/>
+              <a:t>: A compiled form of a program including machine instructions and static data that a computer can load and execute. A passive entity stored on secondary storage. </a:t>
+            </a:r>
+          </a:p>
+          <a:p>
+            <a:pPr marL="0" indent="0">
+              <a:lnSpc>
+                <a:spcPct val="160000"/>
+              </a:lnSpc>
+              <a:buNone/>
+            </a:pPr>
+            <a:r>
+              <a:rPr lang="en-US" sz="2000" b="1" noProof="0" dirty="0"/>
+              <a:t>Process</a:t>
+            </a:r>
+            <a:r>
+              <a:rPr lang="en-US" sz="2000" noProof="0" dirty="0"/>
+              <a:t>: A program loaded into memory and executing or waiting. A process typically executes for only a short time before it either finishes or needs to perform I/O (waiting). A process is an active entity and needs resources such as CPU time, memory etc. to execute. </a:t>
+            </a:r>
+          </a:p>
+        </p:txBody>
+      </p:sp>
+      <p:sp>
+        <p:nvSpPr>
+          <p:cNvPr id="4" name="TextBox 3">
+            <a:extLst>
+              <a:ext uri="{FF2B5EF4-FFF2-40B4-BE49-F238E27FC236}">
+                <a16:creationId xmlns:a16="http://schemas.microsoft.com/office/drawing/2014/main" id="{3DFD6F35-730D-2507-172F-A4587FE7F367}"/>
+              </a:ext>
+            </a:extLst>
+          </p:cNvPr>
+          <p:cNvSpPr txBox="1"/>
+          <p:nvPr/>
+        </p:nvSpPr>
+        <p:spPr>
+          <a:xfrm>
+            <a:off x="628650" y="6185097"/>
+            <a:ext cx="6538713" cy="307777"/>
+          </a:xfrm>
+          <a:prstGeom prst="rect">
+            <a:avLst/>
+          </a:prstGeom>
+          <a:noFill/>
+        </p:spPr>
+        <p:txBody>
+          <a:bodyPr wrap="none" rtlCol="0">
+            <a:spAutoFit/>
+          </a:bodyPr>
+          <a:lstStyle/>
+          <a:p>
+            <a:r>
+              <a:rPr lang="tr-TR" sz="1400" dirty="0" err="1"/>
+              <a:t>https</a:t>
+            </a:r>
+            <a:r>
+              <a:rPr lang="tr-TR" sz="1400" dirty="0"/>
+              <a:t>://www2.it.uu.se/</a:t>
+            </a:r>
+            <a:r>
+              <a:rPr lang="tr-TR" sz="1400" dirty="0" err="1"/>
+              <a:t>education</a:t>
+            </a:r>
+            <a:r>
+              <a:rPr lang="tr-TR" sz="1400" dirty="0"/>
+              <a:t>/</a:t>
+            </a:r>
+            <a:r>
+              <a:rPr lang="tr-TR" sz="1400" dirty="0" err="1"/>
+              <a:t>course</a:t>
+            </a:r>
+            <a:r>
+              <a:rPr lang="tr-TR" sz="1400" dirty="0"/>
+              <a:t>/</a:t>
+            </a:r>
+            <a:r>
+              <a:rPr lang="tr-TR" sz="1400" dirty="0" err="1"/>
+              <a:t>homepage</a:t>
+            </a:r>
+            <a:r>
+              <a:rPr lang="tr-TR" sz="1400" dirty="0"/>
+              <a:t>/</a:t>
+            </a:r>
+            <a:r>
+              <a:rPr lang="tr-TR" sz="1400" dirty="0" err="1"/>
+              <a:t>os</a:t>
+            </a:r>
+            <a:r>
+              <a:rPr lang="tr-TR" sz="1400" dirty="0"/>
+              <a:t>/vt18/module-1/</a:t>
+            </a:r>
+            <a:r>
+              <a:rPr lang="tr-TR" sz="1400" dirty="0" err="1"/>
+              <a:t>definitions</a:t>
+            </a:r>
+            <a:r>
+              <a:rPr lang="tr-TR" sz="1400" dirty="0"/>
+              <a:t>/</a:t>
+            </a:r>
+          </a:p>
+        </p:txBody>
+      </p:sp>
+    </p:spTree>
+    <p:extLst>
+      <p:ext uri="{BB962C8B-B14F-4D97-AF65-F5344CB8AC3E}">
+        <p14:creationId xmlns:p14="http://schemas.microsoft.com/office/powerpoint/2010/main" val="2478489990"/>
       </p:ext>
     </p:extLst>
   </p:cSld>

--- a/lecture_notes/BIT_0.pptx
+++ b/lecture_notes/BIT_0.pptx
@@ -4,6 +4,9 @@
   <p:sldMasterIdLst>
     <p:sldMasterId id="2147483660" r:id="rId1"/>
   </p:sldMasterIdLst>
+  <p:notesMasterIdLst>
+    <p:notesMasterId r:id="rId15"/>
+  </p:notesMasterIdLst>
   <p:sldIdLst>
     <p:sldId id="256" r:id="rId2"/>
     <p:sldId id="257" r:id="rId3"/>
@@ -14,6 +17,10 @@
     <p:sldId id="262" r:id="rId8"/>
     <p:sldId id="264" r:id="rId9"/>
     <p:sldId id="265" r:id="rId10"/>
+    <p:sldId id="267" r:id="rId11"/>
+    <p:sldId id="268" r:id="rId12"/>
+    <p:sldId id="269" r:id="rId13"/>
+    <p:sldId id="270" r:id="rId14"/>
   </p:sldIdLst>
   <p:sldSz cx="9144000" cy="6858000" type="screen4x3"/>
   <p:notesSz cx="6858000" cy="9144000"/>
@@ -120,6 +127,788 @@
 </p:presentation>
 </file>
 
+<file path=ppt/notesMasters/notesMaster1.xml><?xml version="1.0" encoding="utf-8"?>
+<p:notesMaster xmlns:a="http://schemas.openxmlformats.org/drawingml/2006/main" xmlns:r="http://schemas.openxmlformats.org/officeDocument/2006/relationships" xmlns:p="http://schemas.openxmlformats.org/presentationml/2006/main">
+  <p:cSld>
+    <p:bg>
+      <p:bgRef idx="1001">
+        <a:schemeClr val="bg1"/>
+      </p:bgRef>
+    </p:bg>
+    <p:spTree>
+      <p:nvGrpSpPr>
+        <p:cNvPr id="1" name=""/>
+        <p:cNvGrpSpPr/>
+        <p:nvPr/>
+      </p:nvGrpSpPr>
+      <p:grpSpPr>
+        <a:xfrm>
+          <a:off x="0" y="0"/>
+          <a:ext cx="0" cy="0"/>
+          <a:chOff x="0" y="0"/>
+          <a:chExt cx="0" cy="0"/>
+        </a:xfrm>
+      </p:grpSpPr>
+      <p:sp>
+        <p:nvSpPr>
+          <p:cNvPr id="2" name="Header Placeholder 1"/>
+          <p:cNvSpPr>
+            <a:spLocks noGrp="1"/>
+          </p:cNvSpPr>
+          <p:nvPr>
+            <p:ph type="hdr" sz="quarter"/>
+          </p:nvPr>
+        </p:nvSpPr>
+        <p:spPr>
+          <a:xfrm>
+            <a:off x="0" y="0"/>
+            <a:ext cx="2971800" cy="458788"/>
+          </a:xfrm>
+          <a:prstGeom prst="rect">
+            <a:avLst/>
+          </a:prstGeom>
+        </p:spPr>
+        <p:txBody>
+          <a:bodyPr vert="horz" lIns="91440" tIns="45720" rIns="91440" bIns="45720" rtlCol="0"/>
+          <a:lstStyle>
+            <a:lvl1pPr algn="l">
+              <a:defRPr sz="1200"/>
+            </a:lvl1pPr>
+          </a:lstStyle>
+          <a:p>
+            <a:endParaRPr lang="tr-TR"/>
+          </a:p>
+        </p:txBody>
+      </p:sp>
+      <p:sp>
+        <p:nvSpPr>
+          <p:cNvPr id="3" name="Date Placeholder 2"/>
+          <p:cNvSpPr>
+            <a:spLocks noGrp="1"/>
+          </p:cNvSpPr>
+          <p:nvPr>
+            <p:ph type="dt" idx="1"/>
+          </p:nvPr>
+        </p:nvSpPr>
+        <p:spPr>
+          <a:xfrm>
+            <a:off x="3884613" y="0"/>
+            <a:ext cx="2971800" cy="458788"/>
+          </a:xfrm>
+          <a:prstGeom prst="rect">
+            <a:avLst/>
+          </a:prstGeom>
+        </p:spPr>
+        <p:txBody>
+          <a:bodyPr vert="horz" lIns="91440" tIns="45720" rIns="91440" bIns="45720" rtlCol="0"/>
+          <a:lstStyle>
+            <a:lvl1pPr algn="r">
+              <a:defRPr sz="1200"/>
+            </a:lvl1pPr>
+          </a:lstStyle>
+          <a:p>
+            <a:fld id="{6F704628-FD63-6D40-ADAF-B18E607582B8}" type="datetimeFigureOut">
+              <a:rPr lang="tr-TR" smtClean="0"/>
+              <a:t>25.02.2025</a:t>
+            </a:fld>
+            <a:endParaRPr lang="tr-TR"/>
+          </a:p>
+        </p:txBody>
+      </p:sp>
+      <p:sp>
+        <p:nvSpPr>
+          <p:cNvPr id="4" name="Slide Image Placeholder 3"/>
+          <p:cNvSpPr>
+            <a:spLocks noGrp="1" noRot="1" noChangeAspect="1"/>
+          </p:cNvSpPr>
+          <p:nvPr>
+            <p:ph type="sldImg" idx="2"/>
+          </p:nvPr>
+        </p:nvSpPr>
+        <p:spPr>
+          <a:xfrm>
+            <a:off x="1371600" y="1143000"/>
+            <a:ext cx="4114800" cy="3086100"/>
+          </a:xfrm>
+          <a:prstGeom prst="rect">
+            <a:avLst/>
+          </a:prstGeom>
+          <a:noFill/>
+          <a:ln w="12700">
+            <a:solidFill>
+              <a:prstClr val="black"/>
+            </a:solidFill>
+          </a:ln>
+        </p:spPr>
+        <p:txBody>
+          <a:bodyPr vert="horz" lIns="91440" tIns="45720" rIns="91440" bIns="45720" rtlCol="0" anchor="ctr"/>
+          <a:lstStyle/>
+          <a:p>
+            <a:endParaRPr lang="tr-TR"/>
+          </a:p>
+        </p:txBody>
+      </p:sp>
+      <p:sp>
+        <p:nvSpPr>
+          <p:cNvPr id="5" name="Notes Placeholder 4"/>
+          <p:cNvSpPr>
+            <a:spLocks noGrp="1"/>
+          </p:cNvSpPr>
+          <p:nvPr>
+            <p:ph type="body" sz="quarter" idx="3"/>
+          </p:nvPr>
+        </p:nvSpPr>
+        <p:spPr>
+          <a:xfrm>
+            <a:off x="685800" y="4400550"/>
+            <a:ext cx="5486400" cy="3600450"/>
+          </a:xfrm>
+          <a:prstGeom prst="rect">
+            <a:avLst/>
+          </a:prstGeom>
+        </p:spPr>
+        <p:txBody>
+          <a:bodyPr vert="horz" lIns="91440" tIns="45720" rIns="91440" bIns="45720" rtlCol="0"/>
+          <a:lstStyle/>
+          <a:p>
+            <a:pPr lvl="0"/>
+            <a:r>
+              <a:rPr lang="en-US"/>
+              <a:t>Click to edit Master text styles</a:t>
+            </a:r>
+          </a:p>
+          <a:p>
+            <a:pPr lvl="1"/>
+            <a:r>
+              <a:rPr lang="en-US"/>
+              <a:t>Second level</a:t>
+            </a:r>
+          </a:p>
+          <a:p>
+            <a:pPr lvl="2"/>
+            <a:r>
+              <a:rPr lang="en-US"/>
+              <a:t>Third level</a:t>
+            </a:r>
+          </a:p>
+          <a:p>
+            <a:pPr lvl="3"/>
+            <a:r>
+              <a:rPr lang="en-US"/>
+              <a:t>Fourth level</a:t>
+            </a:r>
+          </a:p>
+          <a:p>
+            <a:pPr lvl="4"/>
+            <a:r>
+              <a:rPr lang="en-US"/>
+              <a:t>Fifth level</a:t>
+            </a:r>
+            <a:endParaRPr lang="tr-TR"/>
+          </a:p>
+        </p:txBody>
+      </p:sp>
+      <p:sp>
+        <p:nvSpPr>
+          <p:cNvPr id="6" name="Footer Placeholder 5"/>
+          <p:cNvSpPr>
+            <a:spLocks noGrp="1"/>
+          </p:cNvSpPr>
+          <p:nvPr>
+            <p:ph type="ftr" sz="quarter" idx="4"/>
+          </p:nvPr>
+        </p:nvSpPr>
+        <p:spPr>
+          <a:xfrm>
+            <a:off x="0" y="8685213"/>
+            <a:ext cx="2971800" cy="458787"/>
+          </a:xfrm>
+          <a:prstGeom prst="rect">
+            <a:avLst/>
+          </a:prstGeom>
+        </p:spPr>
+        <p:txBody>
+          <a:bodyPr vert="horz" lIns="91440" tIns="45720" rIns="91440" bIns="45720" rtlCol="0" anchor="b"/>
+          <a:lstStyle>
+            <a:lvl1pPr algn="l">
+              <a:defRPr sz="1200"/>
+            </a:lvl1pPr>
+          </a:lstStyle>
+          <a:p>
+            <a:endParaRPr lang="tr-TR"/>
+          </a:p>
+        </p:txBody>
+      </p:sp>
+      <p:sp>
+        <p:nvSpPr>
+          <p:cNvPr id="7" name="Slide Number Placeholder 6"/>
+          <p:cNvSpPr>
+            <a:spLocks noGrp="1"/>
+          </p:cNvSpPr>
+          <p:nvPr>
+            <p:ph type="sldNum" sz="quarter" idx="5"/>
+          </p:nvPr>
+        </p:nvSpPr>
+        <p:spPr>
+          <a:xfrm>
+            <a:off x="3884613" y="8685213"/>
+            <a:ext cx="2971800" cy="458787"/>
+          </a:xfrm>
+          <a:prstGeom prst="rect">
+            <a:avLst/>
+          </a:prstGeom>
+        </p:spPr>
+        <p:txBody>
+          <a:bodyPr vert="horz" lIns="91440" tIns="45720" rIns="91440" bIns="45720" rtlCol="0" anchor="b"/>
+          <a:lstStyle>
+            <a:lvl1pPr algn="r">
+              <a:defRPr sz="1200"/>
+            </a:lvl1pPr>
+          </a:lstStyle>
+          <a:p>
+            <a:fld id="{8E6CCEE1-7FB0-B948-8595-C159DBB35A4E}" type="slidenum">
+              <a:rPr lang="tr-TR" smtClean="0"/>
+              <a:t>‹#›</a:t>
+            </a:fld>
+            <a:endParaRPr lang="tr-TR"/>
+          </a:p>
+        </p:txBody>
+      </p:sp>
+    </p:spTree>
+    <p:extLst>
+      <p:ext uri="{BB962C8B-B14F-4D97-AF65-F5344CB8AC3E}">
+        <p14:creationId xmlns:p14="http://schemas.microsoft.com/office/powerpoint/2010/main" val="3385986778"/>
+      </p:ext>
+    </p:extLst>
+  </p:cSld>
+  <p:clrMap bg1="lt1" tx1="dk1" bg2="lt2" tx2="dk2" accent1="accent1" accent2="accent2" accent3="accent3" accent4="accent4" accent5="accent5" accent6="accent6" hlink="hlink" folHlink="folHlink"/>
+  <p:notesStyle>
+    <a:lvl1pPr marL="0" algn="l" defTabSz="914400" rtl="0" eaLnBrk="1" latinLnBrk="0" hangingPunct="1">
+      <a:defRPr sz="1200" kern="1200">
+        <a:solidFill>
+          <a:schemeClr val="tx1"/>
+        </a:solidFill>
+        <a:latin typeface="+mn-lt"/>
+        <a:ea typeface="+mn-ea"/>
+        <a:cs typeface="+mn-cs"/>
+      </a:defRPr>
+    </a:lvl1pPr>
+    <a:lvl2pPr marL="457200" algn="l" defTabSz="914400" rtl="0" eaLnBrk="1" latinLnBrk="0" hangingPunct="1">
+      <a:defRPr sz="1200" kern="1200">
+        <a:solidFill>
+          <a:schemeClr val="tx1"/>
+        </a:solidFill>
+        <a:latin typeface="+mn-lt"/>
+        <a:ea typeface="+mn-ea"/>
+        <a:cs typeface="+mn-cs"/>
+      </a:defRPr>
+    </a:lvl2pPr>
+    <a:lvl3pPr marL="914400" algn="l" defTabSz="914400" rtl="0" eaLnBrk="1" latinLnBrk="0" hangingPunct="1">
+      <a:defRPr sz="1200" kern="1200">
+        <a:solidFill>
+          <a:schemeClr val="tx1"/>
+        </a:solidFill>
+        <a:latin typeface="+mn-lt"/>
+        <a:ea typeface="+mn-ea"/>
+        <a:cs typeface="+mn-cs"/>
+      </a:defRPr>
+    </a:lvl3pPr>
+    <a:lvl4pPr marL="1371600" algn="l" defTabSz="914400" rtl="0" eaLnBrk="1" latinLnBrk="0" hangingPunct="1">
+      <a:defRPr sz="1200" kern="1200">
+        <a:solidFill>
+          <a:schemeClr val="tx1"/>
+        </a:solidFill>
+        <a:latin typeface="+mn-lt"/>
+        <a:ea typeface="+mn-ea"/>
+        <a:cs typeface="+mn-cs"/>
+      </a:defRPr>
+    </a:lvl4pPr>
+    <a:lvl5pPr marL="1828800" algn="l" defTabSz="914400" rtl="0" eaLnBrk="1" latinLnBrk="0" hangingPunct="1">
+      <a:defRPr sz="1200" kern="1200">
+        <a:solidFill>
+          <a:schemeClr val="tx1"/>
+        </a:solidFill>
+        <a:latin typeface="+mn-lt"/>
+        <a:ea typeface="+mn-ea"/>
+        <a:cs typeface="+mn-cs"/>
+      </a:defRPr>
+    </a:lvl5pPr>
+    <a:lvl6pPr marL="2286000" algn="l" defTabSz="914400" rtl="0" eaLnBrk="1" latinLnBrk="0" hangingPunct="1">
+      <a:defRPr sz="1200" kern="1200">
+        <a:solidFill>
+          <a:schemeClr val="tx1"/>
+        </a:solidFill>
+        <a:latin typeface="+mn-lt"/>
+        <a:ea typeface="+mn-ea"/>
+        <a:cs typeface="+mn-cs"/>
+      </a:defRPr>
+    </a:lvl6pPr>
+    <a:lvl7pPr marL="2743200" algn="l" defTabSz="914400" rtl="0" eaLnBrk="1" latinLnBrk="0" hangingPunct="1">
+      <a:defRPr sz="1200" kern="1200">
+        <a:solidFill>
+          <a:schemeClr val="tx1"/>
+        </a:solidFill>
+        <a:latin typeface="+mn-lt"/>
+        <a:ea typeface="+mn-ea"/>
+        <a:cs typeface="+mn-cs"/>
+      </a:defRPr>
+    </a:lvl7pPr>
+    <a:lvl8pPr marL="3200400" algn="l" defTabSz="914400" rtl="0" eaLnBrk="1" latinLnBrk="0" hangingPunct="1">
+      <a:defRPr sz="1200" kern="1200">
+        <a:solidFill>
+          <a:schemeClr val="tx1"/>
+        </a:solidFill>
+        <a:latin typeface="+mn-lt"/>
+        <a:ea typeface="+mn-ea"/>
+        <a:cs typeface="+mn-cs"/>
+      </a:defRPr>
+    </a:lvl8pPr>
+    <a:lvl9pPr marL="3657600" algn="l" defTabSz="914400" rtl="0" eaLnBrk="1" latinLnBrk="0" hangingPunct="1">
+      <a:defRPr sz="1200" kern="1200">
+        <a:solidFill>
+          <a:schemeClr val="tx1"/>
+        </a:solidFill>
+        <a:latin typeface="+mn-lt"/>
+        <a:ea typeface="+mn-ea"/>
+        <a:cs typeface="+mn-cs"/>
+      </a:defRPr>
+    </a:lvl9pPr>
+  </p:notesStyle>
+</p:notesMaster>
+</file>
+
+<file path=ppt/notesSlides/notesSlide1.xml><?xml version="1.0" encoding="utf-8"?>
+<p:notes xmlns:a="http://schemas.openxmlformats.org/drawingml/2006/main" xmlns:r="http://schemas.openxmlformats.org/officeDocument/2006/relationships" xmlns:p="http://schemas.openxmlformats.org/presentationml/2006/main">
+  <p:cSld>
+    <p:spTree>
+      <p:nvGrpSpPr>
+        <p:cNvPr id="1" name="">
+          <a:extLst>
+            <a:ext uri="{FF2B5EF4-FFF2-40B4-BE49-F238E27FC236}">
+              <a16:creationId xmlns:a16="http://schemas.microsoft.com/office/drawing/2014/main" id="{8773809A-31F0-3401-A3DC-F24CFE36535E}"/>
+            </a:ext>
+          </a:extLst>
+        </p:cNvPr>
+        <p:cNvGrpSpPr/>
+        <p:nvPr/>
+      </p:nvGrpSpPr>
+      <p:grpSpPr>
+        <a:xfrm>
+          <a:off x="0" y="0"/>
+          <a:ext cx="0" cy="0"/>
+          <a:chOff x="0" y="0"/>
+          <a:chExt cx="0" cy="0"/>
+        </a:xfrm>
+      </p:grpSpPr>
+      <p:sp>
+        <p:nvSpPr>
+          <p:cNvPr id="2" name="Slide Image Placeholder 1">
+            <a:extLst>
+              <a:ext uri="{FF2B5EF4-FFF2-40B4-BE49-F238E27FC236}">
+                <a16:creationId xmlns:a16="http://schemas.microsoft.com/office/drawing/2014/main" id="{E6A07552-877D-5367-27DB-7DC56B7C15FE}"/>
+              </a:ext>
+            </a:extLst>
+          </p:cNvPr>
+          <p:cNvSpPr>
+            <a:spLocks noGrp="1" noRot="1" noChangeAspect="1"/>
+          </p:cNvSpPr>
+          <p:nvPr>
+            <p:ph type="sldImg"/>
+          </p:nvPr>
+        </p:nvSpPr>
+        <p:spPr/>
+      </p:sp>
+      <p:sp>
+        <p:nvSpPr>
+          <p:cNvPr id="3" name="Notes Placeholder 2">
+            <a:extLst>
+              <a:ext uri="{FF2B5EF4-FFF2-40B4-BE49-F238E27FC236}">
+                <a16:creationId xmlns:a16="http://schemas.microsoft.com/office/drawing/2014/main" id="{38A10B43-98CC-936A-8FDC-2C2D36680A92}"/>
+              </a:ext>
+            </a:extLst>
+          </p:cNvPr>
+          <p:cNvSpPr>
+            <a:spLocks noGrp="1"/>
+          </p:cNvSpPr>
+          <p:nvPr>
+            <p:ph type="body" idx="1"/>
+          </p:nvPr>
+        </p:nvSpPr>
+        <p:spPr/>
+        <p:txBody>
+          <a:bodyPr/>
+          <a:lstStyle/>
+          <a:p>
+            <a:endParaRPr lang="tr-TR" dirty="0"/>
+          </a:p>
+        </p:txBody>
+      </p:sp>
+      <p:sp>
+        <p:nvSpPr>
+          <p:cNvPr id="4" name="Slide Number Placeholder 3">
+            <a:extLst>
+              <a:ext uri="{FF2B5EF4-FFF2-40B4-BE49-F238E27FC236}">
+                <a16:creationId xmlns:a16="http://schemas.microsoft.com/office/drawing/2014/main" id="{2C6DFEE7-6098-94B3-9893-13F7887917C4}"/>
+              </a:ext>
+            </a:extLst>
+          </p:cNvPr>
+          <p:cNvSpPr>
+            <a:spLocks noGrp="1"/>
+          </p:cNvSpPr>
+          <p:nvPr>
+            <p:ph type="sldNum" sz="quarter" idx="5"/>
+          </p:nvPr>
+        </p:nvSpPr>
+        <p:spPr/>
+        <p:txBody>
+          <a:bodyPr/>
+          <a:lstStyle/>
+          <a:p>
+            <a:fld id="{8E6CCEE1-7FB0-B948-8595-C159DBB35A4E}" type="slidenum">
+              <a:rPr lang="tr-TR" smtClean="0"/>
+              <a:t>10</a:t>
+            </a:fld>
+            <a:endParaRPr lang="tr-TR"/>
+          </a:p>
+        </p:txBody>
+      </p:sp>
+    </p:spTree>
+    <p:extLst>
+      <p:ext uri="{BB962C8B-B14F-4D97-AF65-F5344CB8AC3E}">
+        <p14:creationId xmlns:p14="http://schemas.microsoft.com/office/powerpoint/2010/main" val="2561964220"/>
+      </p:ext>
+    </p:extLst>
+  </p:cSld>
+  <p:clrMapOvr>
+    <a:masterClrMapping/>
+  </p:clrMapOvr>
+</p:notes>
+</file>
+
+<file path=ppt/notesSlides/notesSlide2.xml><?xml version="1.0" encoding="utf-8"?>
+<p:notes xmlns:a="http://schemas.openxmlformats.org/drawingml/2006/main" xmlns:r="http://schemas.openxmlformats.org/officeDocument/2006/relationships" xmlns:p="http://schemas.openxmlformats.org/presentationml/2006/main">
+  <p:cSld>
+    <p:spTree>
+      <p:nvGrpSpPr>
+        <p:cNvPr id="1" name="">
+          <a:extLst>
+            <a:ext uri="{FF2B5EF4-FFF2-40B4-BE49-F238E27FC236}">
+              <a16:creationId xmlns:a16="http://schemas.microsoft.com/office/drawing/2014/main" id="{EBA54882-5D7C-FE10-FCB9-D633A4B8679A}"/>
+            </a:ext>
+          </a:extLst>
+        </p:cNvPr>
+        <p:cNvGrpSpPr/>
+        <p:nvPr/>
+      </p:nvGrpSpPr>
+      <p:grpSpPr>
+        <a:xfrm>
+          <a:off x="0" y="0"/>
+          <a:ext cx="0" cy="0"/>
+          <a:chOff x="0" y="0"/>
+          <a:chExt cx="0" cy="0"/>
+        </a:xfrm>
+      </p:grpSpPr>
+      <p:sp>
+        <p:nvSpPr>
+          <p:cNvPr id="2" name="Slide Image Placeholder 1">
+            <a:extLst>
+              <a:ext uri="{FF2B5EF4-FFF2-40B4-BE49-F238E27FC236}">
+                <a16:creationId xmlns:a16="http://schemas.microsoft.com/office/drawing/2014/main" id="{5D643429-1F86-5043-E61A-EC85DCC6C4D8}"/>
+              </a:ext>
+            </a:extLst>
+          </p:cNvPr>
+          <p:cNvSpPr>
+            <a:spLocks noGrp="1" noRot="1" noChangeAspect="1"/>
+          </p:cNvSpPr>
+          <p:nvPr>
+            <p:ph type="sldImg"/>
+          </p:nvPr>
+        </p:nvSpPr>
+        <p:spPr/>
+      </p:sp>
+      <p:sp>
+        <p:nvSpPr>
+          <p:cNvPr id="3" name="Notes Placeholder 2">
+            <a:extLst>
+              <a:ext uri="{FF2B5EF4-FFF2-40B4-BE49-F238E27FC236}">
+                <a16:creationId xmlns:a16="http://schemas.microsoft.com/office/drawing/2014/main" id="{018EEAF2-3049-DF49-9514-4F6B680766A1}"/>
+              </a:ext>
+            </a:extLst>
+          </p:cNvPr>
+          <p:cNvSpPr>
+            <a:spLocks noGrp="1"/>
+          </p:cNvSpPr>
+          <p:nvPr>
+            <p:ph type="body" idx="1"/>
+          </p:nvPr>
+        </p:nvSpPr>
+        <p:spPr/>
+        <p:txBody>
+          <a:bodyPr/>
+          <a:lstStyle/>
+          <a:p>
+            <a:endParaRPr lang="tr-TR" dirty="0"/>
+          </a:p>
+        </p:txBody>
+      </p:sp>
+      <p:sp>
+        <p:nvSpPr>
+          <p:cNvPr id="4" name="Slide Number Placeholder 3">
+            <a:extLst>
+              <a:ext uri="{FF2B5EF4-FFF2-40B4-BE49-F238E27FC236}">
+                <a16:creationId xmlns:a16="http://schemas.microsoft.com/office/drawing/2014/main" id="{F9B1E373-DD97-EC1F-46B3-1D2B4B98E845}"/>
+              </a:ext>
+            </a:extLst>
+          </p:cNvPr>
+          <p:cNvSpPr>
+            <a:spLocks noGrp="1"/>
+          </p:cNvSpPr>
+          <p:nvPr>
+            <p:ph type="sldNum" sz="quarter" idx="5"/>
+          </p:nvPr>
+        </p:nvSpPr>
+        <p:spPr/>
+        <p:txBody>
+          <a:bodyPr/>
+          <a:lstStyle/>
+          <a:p>
+            <a:fld id="{8E6CCEE1-7FB0-B948-8595-C159DBB35A4E}" type="slidenum">
+              <a:rPr lang="tr-TR" smtClean="0"/>
+              <a:t>11</a:t>
+            </a:fld>
+            <a:endParaRPr lang="tr-TR"/>
+          </a:p>
+        </p:txBody>
+      </p:sp>
+    </p:spTree>
+    <p:extLst>
+      <p:ext uri="{BB962C8B-B14F-4D97-AF65-F5344CB8AC3E}">
+        <p14:creationId xmlns:p14="http://schemas.microsoft.com/office/powerpoint/2010/main" val="3395627840"/>
+      </p:ext>
+    </p:extLst>
+  </p:cSld>
+  <p:clrMapOvr>
+    <a:masterClrMapping/>
+  </p:clrMapOvr>
+</p:notes>
+</file>
+
+<file path=ppt/notesSlides/notesSlide3.xml><?xml version="1.0" encoding="utf-8"?>
+<p:notes xmlns:a="http://schemas.openxmlformats.org/drawingml/2006/main" xmlns:r="http://schemas.openxmlformats.org/officeDocument/2006/relationships" xmlns:p="http://schemas.openxmlformats.org/presentationml/2006/main">
+  <p:cSld>
+    <p:spTree>
+      <p:nvGrpSpPr>
+        <p:cNvPr id="1" name="">
+          <a:extLst>
+            <a:ext uri="{FF2B5EF4-FFF2-40B4-BE49-F238E27FC236}">
+              <a16:creationId xmlns:a16="http://schemas.microsoft.com/office/drawing/2014/main" id="{628E9930-FC3F-67C7-EC42-C2027DEDCF70}"/>
+            </a:ext>
+          </a:extLst>
+        </p:cNvPr>
+        <p:cNvGrpSpPr/>
+        <p:nvPr/>
+      </p:nvGrpSpPr>
+      <p:grpSpPr>
+        <a:xfrm>
+          <a:off x="0" y="0"/>
+          <a:ext cx="0" cy="0"/>
+          <a:chOff x="0" y="0"/>
+          <a:chExt cx="0" cy="0"/>
+        </a:xfrm>
+      </p:grpSpPr>
+      <p:sp>
+        <p:nvSpPr>
+          <p:cNvPr id="2" name="Slide Image Placeholder 1">
+            <a:extLst>
+              <a:ext uri="{FF2B5EF4-FFF2-40B4-BE49-F238E27FC236}">
+                <a16:creationId xmlns:a16="http://schemas.microsoft.com/office/drawing/2014/main" id="{8E5CD847-E18B-2449-D988-1C8F0248D37D}"/>
+              </a:ext>
+            </a:extLst>
+          </p:cNvPr>
+          <p:cNvSpPr>
+            <a:spLocks noGrp="1" noRot="1" noChangeAspect="1"/>
+          </p:cNvSpPr>
+          <p:nvPr>
+            <p:ph type="sldImg"/>
+          </p:nvPr>
+        </p:nvSpPr>
+        <p:spPr/>
+      </p:sp>
+      <p:sp>
+        <p:nvSpPr>
+          <p:cNvPr id="3" name="Notes Placeholder 2">
+            <a:extLst>
+              <a:ext uri="{FF2B5EF4-FFF2-40B4-BE49-F238E27FC236}">
+                <a16:creationId xmlns:a16="http://schemas.microsoft.com/office/drawing/2014/main" id="{046A32DE-B07E-F11A-9F42-769ACA152DFF}"/>
+              </a:ext>
+            </a:extLst>
+          </p:cNvPr>
+          <p:cNvSpPr>
+            <a:spLocks noGrp="1"/>
+          </p:cNvSpPr>
+          <p:nvPr>
+            <p:ph type="body" idx="1"/>
+          </p:nvPr>
+        </p:nvSpPr>
+        <p:spPr/>
+        <p:txBody>
+          <a:bodyPr/>
+          <a:lstStyle/>
+          <a:p>
+            <a:endParaRPr lang="tr-TR" dirty="0"/>
+          </a:p>
+        </p:txBody>
+      </p:sp>
+      <p:sp>
+        <p:nvSpPr>
+          <p:cNvPr id="4" name="Slide Number Placeholder 3">
+            <a:extLst>
+              <a:ext uri="{FF2B5EF4-FFF2-40B4-BE49-F238E27FC236}">
+                <a16:creationId xmlns:a16="http://schemas.microsoft.com/office/drawing/2014/main" id="{8C64C21B-F29B-4BBD-EBD3-68DE250CC1F5}"/>
+              </a:ext>
+            </a:extLst>
+          </p:cNvPr>
+          <p:cNvSpPr>
+            <a:spLocks noGrp="1"/>
+          </p:cNvSpPr>
+          <p:nvPr>
+            <p:ph type="sldNum" sz="quarter" idx="5"/>
+          </p:nvPr>
+        </p:nvSpPr>
+        <p:spPr/>
+        <p:txBody>
+          <a:bodyPr/>
+          <a:lstStyle/>
+          <a:p>
+            <a:fld id="{8E6CCEE1-7FB0-B948-8595-C159DBB35A4E}" type="slidenum">
+              <a:rPr lang="tr-TR" smtClean="0"/>
+              <a:t>12</a:t>
+            </a:fld>
+            <a:endParaRPr lang="tr-TR"/>
+          </a:p>
+        </p:txBody>
+      </p:sp>
+    </p:spTree>
+    <p:extLst>
+      <p:ext uri="{BB962C8B-B14F-4D97-AF65-F5344CB8AC3E}">
+        <p14:creationId xmlns:p14="http://schemas.microsoft.com/office/powerpoint/2010/main" val="2257482940"/>
+      </p:ext>
+    </p:extLst>
+  </p:cSld>
+  <p:clrMapOvr>
+    <a:masterClrMapping/>
+  </p:clrMapOvr>
+</p:notes>
+</file>
+
+<file path=ppt/notesSlides/notesSlide4.xml><?xml version="1.0" encoding="utf-8"?>
+<p:notes xmlns:a="http://schemas.openxmlformats.org/drawingml/2006/main" xmlns:r="http://schemas.openxmlformats.org/officeDocument/2006/relationships" xmlns:p="http://schemas.openxmlformats.org/presentationml/2006/main">
+  <p:cSld>
+    <p:spTree>
+      <p:nvGrpSpPr>
+        <p:cNvPr id="1" name="">
+          <a:extLst>
+            <a:ext uri="{FF2B5EF4-FFF2-40B4-BE49-F238E27FC236}">
+              <a16:creationId xmlns:a16="http://schemas.microsoft.com/office/drawing/2014/main" id="{51930BBF-D033-2AE8-78D4-7B3C2D10FE1F}"/>
+            </a:ext>
+          </a:extLst>
+        </p:cNvPr>
+        <p:cNvGrpSpPr/>
+        <p:nvPr/>
+      </p:nvGrpSpPr>
+      <p:grpSpPr>
+        <a:xfrm>
+          <a:off x="0" y="0"/>
+          <a:ext cx="0" cy="0"/>
+          <a:chOff x="0" y="0"/>
+          <a:chExt cx="0" cy="0"/>
+        </a:xfrm>
+      </p:grpSpPr>
+      <p:sp>
+        <p:nvSpPr>
+          <p:cNvPr id="2" name="Slide Image Placeholder 1">
+            <a:extLst>
+              <a:ext uri="{FF2B5EF4-FFF2-40B4-BE49-F238E27FC236}">
+                <a16:creationId xmlns:a16="http://schemas.microsoft.com/office/drawing/2014/main" id="{B6AF726C-2EB1-D7F1-E7BA-5DA25DEDF664}"/>
+              </a:ext>
+            </a:extLst>
+          </p:cNvPr>
+          <p:cNvSpPr>
+            <a:spLocks noGrp="1" noRot="1" noChangeAspect="1"/>
+          </p:cNvSpPr>
+          <p:nvPr>
+            <p:ph type="sldImg"/>
+          </p:nvPr>
+        </p:nvSpPr>
+        <p:spPr/>
+      </p:sp>
+      <p:sp>
+        <p:nvSpPr>
+          <p:cNvPr id="3" name="Notes Placeholder 2">
+            <a:extLst>
+              <a:ext uri="{FF2B5EF4-FFF2-40B4-BE49-F238E27FC236}">
+                <a16:creationId xmlns:a16="http://schemas.microsoft.com/office/drawing/2014/main" id="{4E8B32DF-F86D-41AF-DFFE-4098F94B99E6}"/>
+              </a:ext>
+            </a:extLst>
+          </p:cNvPr>
+          <p:cNvSpPr>
+            <a:spLocks noGrp="1"/>
+          </p:cNvSpPr>
+          <p:nvPr>
+            <p:ph type="body" idx="1"/>
+          </p:nvPr>
+        </p:nvSpPr>
+        <p:spPr/>
+        <p:txBody>
+          <a:bodyPr/>
+          <a:lstStyle/>
+          <a:p>
+            <a:endParaRPr lang="tr-TR" dirty="0"/>
+          </a:p>
+        </p:txBody>
+      </p:sp>
+      <p:sp>
+        <p:nvSpPr>
+          <p:cNvPr id="4" name="Slide Number Placeholder 3">
+            <a:extLst>
+              <a:ext uri="{FF2B5EF4-FFF2-40B4-BE49-F238E27FC236}">
+                <a16:creationId xmlns:a16="http://schemas.microsoft.com/office/drawing/2014/main" id="{241FD3E6-56E3-0515-AA89-92A2803E3559}"/>
+              </a:ext>
+            </a:extLst>
+          </p:cNvPr>
+          <p:cNvSpPr>
+            <a:spLocks noGrp="1"/>
+          </p:cNvSpPr>
+          <p:nvPr>
+            <p:ph type="sldNum" sz="quarter" idx="5"/>
+          </p:nvPr>
+        </p:nvSpPr>
+        <p:spPr/>
+        <p:txBody>
+          <a:bodyPr/>
+          <a:lstStyle/>
+          <a:p>
+            <a:fld id="{8E6CCEE1-7FB0-B948-8595-C159DBB35A4E}" type="slidenum">
+              <a:rPr lang="tr-TR" smtClean="0"/>
+              <a:t>13</a:t>
+            </a:fld>
+            <a:endParaRPr lang="tr-TR"/>
+          </a:p>
+        </p:txBody>
+      </p:sp>
+    </p:spTree>
+    <p:extLst>
+      <p:ext uri="{BB962C8B-B14F-4D97-AF65-F5344CB8AC3E}">
+        <p14:creationId xmlns:p14="http://schemas.microsoft.com/office/powerpoint/2010/main" val="384361169"/>
+      </p:ext>
+    </p:extLst>
+  </p:cSld>
+  <p:clrMapOvr>
+    <a:masterClrMapping/>
+  </p:clrMapOvr>
+</p:notes>
+</file>
+
 <file path=ppt/slideLayouts/slideLayout1.xml><?xml version="1.0" encoding="utf-8"?>
 <p:sldLayout xmlns:a="http://schemas.openxmlformats.org/drawingml/2006/main" xmlns:r="http://schemas.openxmlformats.org/officeDocument/2006/relationships" xmlns:p="http://schemas.openxmlformats.org/presentationml/2006/main" type="title" preserve="1">
   <p:cSld name="Title Slide">
@@ -251,7 +1040,7 @@
           <a:p>
             <a:fld id="{D59D1FFF-AC32-C349-997F-78463A7EB403}" type="datetimeFigureOut">
               <a:rPr lang="tr-TR" smtClean="0"/>
-              <a:t>19.02.2025</a:t>
+              <a:t>25.02.2025</a:t>
             </a:fld>
             <a:endParaRPr lang="tr-TR"/>
           </a:p>
@@ -421,7 +1210,7 @@
           <a:p>
             <a:fld id="{D59D1FFF-AC32-C349-997F-78463A7EB403}" type="datetimeFigureOut">
               <a:rPr lang="tr-TR" smtClean="0"/>
-              <a:t>19.02.2025</a:t>
+              <a:t>25.02.2025</a:t>
             </a:fld>
             <a:endParaRPr lang="tr-TR"/>
           </a:p>
@@ -601,7 +1390,7 @@
           <a:p>
             <a:fld id="{D59D1FFF-AC32-C349-997F-78463A7EB403}" type="datetimeFigureOut">
               <a:rPr lang="tr-TR" smtClean="0"/>
-              <a:t>19.02.2025</a:t>
+              <a:t>25.02.2025</a:t>
             </a:fld>
             <a:endParaRPr lang="tr-TR"/>
           </a:p>
@@ -771,7 +1560,7 @@
           <a:p>
             <a:fld id="{D59D1FFF-AC32-C349-997F-78463A7EB403}" type="datetimeFigureOut">
               <a:rPr lang="tr-TR" smtClean="0"/>
-              <a:t>19.02.2025</a:t>
+              <a:t>25.02.2025</a:t>
             </a:fld>
             <a:endParaRPr lang="tr-TR"/>
           </a:p>
@@ -1017,7 +1806,7 @@
           <a:p>
             <a:fld id="{D59D1FFF-AC32-C349-997F-78463A7EB403}" type="datetimeFigureOut">
               <a:rPr lang="tr-TR" smtClean="0"/>
-              <a:t>19.02.2025</a:t>
+              <a:t>25.02.2025</a:t>
             </a:fld>
             <a:endParaRPr lang="tr-TR"/>
           </a:p>
@@ -1249,7 +2038,7 @@
           <a:p>
             <a:fld id="{D59D1FFF-AC32-C349-997F-78463A7EB403}" type="datetimeFigureOut">
               <a:rPr lang="tr-TR" smtClean="0"/>
-              <a:t>19.02.2025</a:t>
+              <a:t>25.02.2025</a:t>
             </a:fld>
             <a:endParaRPr lang="tr-TR"/>
           </a:p>
@@ -1616,7 +2405,7 @@
           <a:p>
             <a:fld id="{D59D1FFF-AC32-C349-997F-78463A7EB403}" type="datetimeFigureOut">
               <a:rPr lang="tr-TR" smtClean="0"/>
-              <a:t>19.02.2025</a:t>
+              <a:t>25.02.2025</a:t>
             </a:fld>
             <a:endParaRPr lang="tr-TR"/>
           </a:p>
@@ -1734,7 +2523,7 @@
           <a:p>
             <a:fld id="{D59D1FFF-AC32-C349-997F-78463A7EB403}" type="datetimeFigureOut">
               <a:rPr lang="tr-TR" smtClean="0"/>
-              <a:t>19.02.2025</a:t>
+              <a:t>25.02.2025</a:t>
             </a:fld>
             <a:endParaRPr lang="tr-TR"/>
           </a:p>
@@ -1829,7 +2618,7 @@
           <a:p>
             <a:fld id="{D59D1FFF-AC32-C349-997F-78463A7EB403}" type="datetimeFigureOut">
               <a:rPr lang="tr-TR" smtClean="0"/>
-              <a:t>19.02.2025</a:t>
+              <a:t>25.02.2025</a:t>
             </a:fld>
             <a:endParaRPr lang="tr-TR"/>
           </a:p>
@@ -2106,7 +2895,7 @@
           <a:p>
             <a:fld id="{D59D1FFF-AC32-C349-997F-78463A7EB403}" type="datetimeFigureOut">
               <a:rPr lang="tr-TR" smtClean="0"/>
-              <a:t>19.02.2025</a:t>
+              <a:t>25.02.2025</a:t>
             </a:fld>
             <a:endParaRPr lang="tr-TR"/>
           </a:p>
@@ -2363,7 +3152,7 @@
           <a:p>
             <a:fld id="{D59D1FFF-AC32-C349-997F-78463A7EB403}" type="datetimeFigureOut">
               <a:rPr lang="tr-TR" smtClean="0"/>
-              <a:t>19.02.2025</a:t>
+              <a:t>25.02.2025</a:t>
             </a:fld>
             <a:endParaRPr lang="tr-TR"/>
           </a:p>
@@ -2576,7 +3365,7 @@
           <a:p>
             <a:fld id="{D59D1FFF-AC32-C349-997F-78463A7EB403}" type="datetimeFigureOut">
               <a:rPr lang="tr-TR" smtClean="0"/>
-              <a:t>19.02.2025</a:t>
+              <a:t>25.02.2025</a:t>
             </a:fld>
             <a:endParaRPr lang="tr-TR"/>
           </a:p>
@@ -3103,6 +3892,1387 @@
     <p:extLst>
       <p:ext uri="{BB962C8B-B14F-4D97-AF65-F5344CB8AC3E}">
         <p14:creationId xmlns:p14="http://schemas.microsoft.com/office/powerpoint/2010/main" val="755896261"/>
+      </p:ext>
+    </p:extLst>
+  </p:cSld>
+  <p:clrMapOvr>
+    <a:masterClrMapping/>
+  </p:clrMapOvr>
+</p:sld>
+</file>
+
+<file path=ppt/slides/slide10.xml><?xml version="1.0" encoding="utf-8"?>
+<p:sld xmlns:a="http://schemas.openxmlformats.org/drawingml/2006/main" xmlns:r="http://schemas.openxmlformats.org/officeDocument/2006/relationships" xmlns:p="http://schemas.openxmlformats.org/presentationml/2006/main">
+  <p:cSld>
+    <p:spTree>
+      <p:nvGrpSpPr>
+        <p:cNvPr id="1" name="">
+          <a:extLst>
+            <a:ext uri="{FF2B5EF4-FFF2-40B4-BE49-F238E27FC236}">
+              <a16:creationId xmlns:a16="http://schemas.microsoft.com/office/drawing/2014/main" id="{2C6DEE35-4BD8-91D6-9690-914C46DD9DE4}"/>
+            </a:ext>
+          </a:extLst>
+        </p:cNvPr>
+        <p:cNvGrpSpPr/>
+        <p:nvPr/>
+      </p:nvGrpSpPr>
+      <p:grpSpPr>
+        <a:xfrm>
+          <a:off x="0" y="0"/>
+          <a:ext cx="0" cy="0"/>
+          <a:chOff x="0" y="0"/>
+          <a:chExt cx="0" cy="0"/>
+        </a:xfrm>
+      </p:grpSpPr>
+      <p:sp>
+        <p:nvSpPr>
+          <p:cNvPr id="2" name="Title 1">
+            <a:extLst>
+              <a:ext uri="{FF2B5EF4-FFF2-40B4-BE49-F238E27FC236}">
+                <a16:creationId xmlns:a16="http://schemas.microsoft.com/office/drawing/2014/main" id="{771445AD-CA2F-CCCD-E4F1-543478F5A3D0}"/>
+              </a:ext>
+            </a:extLst>
+          </p:cNvPr>
+          <p:cNvSpPr>
+            <a:spLocks noGrp="1"/>
+          </p:cNvSpPr>
+          <p:nvPr>
+            <p:ph type="title"/>
+          </p:nvPr>
+        </p:nvSpPr>
+        <p:spPr/>
+        <p:txBody>
+          <a:bodyPr/>
+          <a:lstStyle/>
+          <a:p>
+            <a:r>
+              <a:rPr lang="en-US" noProof="0" dirty="0"/>
+              <a:t>Bits &amp; Bytes</a:t>
+            </a:r>
+          </a:p>
+        </p:txBody>
+      </p:sp>
+      <p:sp>
+        <p:nvSpPr>
+          <p:cNvPr id="3" name="Content Placeholder 2">
+            <a:extLst>
+              <a:ext uri="{FF2B5EF4-FFF2-40B4-BE49-F238E27FC236}">
+                <a16:creationId xmlns:a16="http://schemas.microsoft.com/office/drawing/2014/main" id="{953353E6-1C10-A89E-7DAE-9748365EE2F8}"/>
+              </a:ext>
+            </a:extLst>
+          </p:cNvPr>
+          <p:cNvSpPr>
+            <a:spLocks noGrp="1"/>
+          </p:cNvSpPr>
+          <p:nvPr>
+            <p:ph idx="1"/>
+          </p:nvPr>
+        </p:nvSpPr>
+        <p:spPr/>
+        <p:txBody>
+          <a:bodyPr>
+            <a:normAutofit/>
+          </a:bodyPr>
+          <a:lstStyle/>
+          <a:p>
+            <a:r>
+              <a:rPr lang="en-US" noProof="0" dirty="0"/>
+              <a:t>At the smallest scale in the computer, information is stored as bits and bytes. </a:t>
+            </a:r>
+          </a:p>
+          <a:p>
+            <a:r>
+              <a:rPr lang="en-US" noProof="0" dirty="0"/>
+              <a:t>A "bit" is the smallest unit of storage and stores just a 0 </a:t>
+            </a:r>
+            <a:r>
+              <a:rPr lang="en-US" b="1" noProof="0" dirty="0"/>
+              <a:t>or</a:t>
+            </a:r>
+            <a:r>
+              <a:rPr lang="en-US" noProof="0" dirty="0"/>
+              <a:t> 1 </a:t>
+            </a:r>
+          </a:p>
+          <a:p>
+            <a:r>
+              <a:rPr lang="en-US" noProof="0" dirty="0"/>
+              <a:t>A bit is too small to be much use </a:t>
+            </a:r>
+          </a:p>
+          <a:p>
+            <a:r>
+              <a:rPr lang="en-US" noProof="0" dirty="0"/>
+              <a:t>Group 8 bits together to make 1 byte </a:t>
+            </a:r>
+          </a:p>
+          <a:p>
+            <a:r>
+              <a:rPr lang="en-US" noProof="0" dirty="0"/>
+              <a:t>One byte = collection of 8 bits e.g. 01011010 </a:t>
+            </a:r>
+          </a:p>
+        </p:txBody>
+      </p:sp>
+      <p:sp>
+        <p:nvSpPr>
+          <p:cNvPr id="4" name="TextBox 3">
+            <a:extLst>
+              <a:ext uri="{FF2B5EF4-FFF2-40B4-BE49-F238E27FC236}">
+                <a16:creationId xmlns:a16="http://schemas.microsoft.com/office/drawing/2014/main" id="{88715ADA-2086-26F0-74C6-CBF63DD28034}"/>
+              </a:ext>
+            </a:extLst>
+          </p:cNvPr>
+          <p:cNvSpPr txBox="1"/>
+          <p:nvPr/>
+        </p:nvSpPr>
+        <p:spPr>
+          <a:xfrm>
+            <a:off x="628650" y="6131533"/>
+            <a:ext cx="5518498" cy="369332"/>
+          </a:xfrm>
+          <a:prstGeom prst="rect">
+            <a:avLst/>
+          </a:prstGeom>
+          <a:noFill/>
+        </p:spPr>
+        <p:txBody>
+          <a:bodyPr wrap="none" rtlCol="0">
+            <a:spAutoFit/>
+          </a:bodyPr>
+          <a:lstStyle/>
+          <a:p>
+            <a:r>
+              <a:rPr lang="tr-TR" dirty="0" err="1"/>
+              <a:t>https</a:t>
+            </a:r>
+            <a:r>
+              <a:rPr lang="tr-TR" dirty="0"/>
+              <a:t>://</a:t>
+            </a:r>
+            <a:r>
+              <a:rPr lang="tr-TR" dirty="0" err="1"/>
+              <a:t>web.stanford.edu</a:t>
+            </a:r>
+            <a:r>
+              <a:rPr lang="tr-TR" dirty="0"/>
+              <a:t>/</a:t>
+            </a:r>
+            <a:r>
+              <a:rPr lang="tr-TR" dirty="0" err="1"/>
+              <a:t>class</a:t>
+            </a:r>
+            <a:r>
+              <a:rPr lang="tr-TR" dirty="0"/>
+              <a:t>/cs101/</a:t>
+            </a:r>
+            <a:r>
+              <a:rPr lang="tr-TR" dirty="0" err="1"/>
+              <a:t>bits-bytes.html</a:t>
+            </a:r>
+            <a:endParaRPr lang="tr-TR" dirty="0"/>
+          </a:p>
+        </p:txBody>
+      </p:sp>
+    </p:spTree>
+    <p:extLst>
+      <p:ext uri="{BB962C8B-B14F-4D97-AF65-F5344CB8AC3E}">
+        <p14:creationId xmlns:p14="http://schemas.microsoft.com/office/powerpoint/2010/main" val="4288413688"/>
+      </p:ext>
+    </p:extLst>
+  </p:cSld>
+  <p:clrMapOvr>
+    <a:masterClrMapping/>
+  </p:clrMapOvr>
+</p:sld>
+</file>
+
+<file path=ppt/slides/slide11.xml><?xml version="1.0" encoding="utf-8"?>
+<p:sld xmlns:a="http://schemas.openxmlformats.org/drawingml/2006/main" xmlns:r="http://schemas.openxmlformats.org/officeDocument/2006/relationships" xmlns:p="http://schemas.openxmlformats.org/presentationml/2006/main">
+  <p:cSld>
+    <p:spTree>
+      <p:nvGrpSpPr>
+        <p:cNvPr id="1" name="">
+          <a:extLst>
+            <a:ext uri="{FF2B5EF4-FFF2-40B4-BE49-F238E27FC236}">
+              <a16:creationId xmlns:a16="http://schemas.microsoft.com/office/drawing/2014/main" id="{A66BF3AB-296D-742D-DFEA-A8E799FFAD40}"/>
+            </a:ext>
+          </a:extLst>
+        </p:cNvPr>
+        <p:cNvGrpSpPr/>
+        <p:nvPr/>
+      </p:nvGrpSpPr>
+      <p:grpSpPr>
+        <a:xfrm>
+          <a:off x="0" y="0"/>
+          <a:ext cx="0" cy="0"/>
+          <a:chOff x="0" y="0"/>
+          <a:chExt cx="0" cy="0"/>
+        </a:xfrm>
+      </p:grpSpPr>
+      <p:sp>
+        <p:nvSpPr>
+          <p:cNvPr id="2" name="Title 1">
+            <a:extLst>
+              <a:ext uri="{FF2B5EF4-FFF2-40B4-BE49-F238E27FC236}">
+                <a16:creationId xmlns:a16="http://schemas.microsoft.com/office/drawing/2014/main" id="{BC58DA65-CCC7-30DC-0E0B-5DD9EDA7BB9B}"/>
+              </a:ext>
+            </a:extLst>
+          </p:cNvPr>
+          <p:cNvSpPr>
+            <a:spLocks noGrp="1"/>
+          </p:cNvSpPr>
+          <p:nvPr>
+            <p:ph type="title"/>
+          </p:nvPr>
+        </p:nvSpPr>
+        <p:spPr/>
+        <p:txBody>
+          <a:bodyPr/>
+          <a:lstStyle/>
+          <a:p>
+            <a:r>
+              <a:rPr lang="en-US" noProof="0" dirty="0"/>
+              <a:t>Bits &amp; Bytes</a:t>
+            </a:r>
+          </a:p>
+        </p:txBody>
+      </p:sp>
+      <p:sp>
+        <p:nvSpPr>
+          <p:cNvPr id="4" name="TextBox 3">
+            <a:extLst>
+              <a:ext uri="{FF2B5EF4-FFF2-40B4-BE49-F238E27FC236}">
+                <a16:creationId xmlns:a16="http://schemas.microsoft.com/office/drawing/2014/main" id="{32B32B48-3BCF-1831-E52B-A650F3F0A14C}"/>
+              </a:ext>
+            </a:extLst>
+          </p:cNvPr>
+          <p:cNvSpPr txBox="1"/>
+          <p:nvPr/>
+        </p:nvSpPr>
+        <p:spPr>
+          <a:xfrm>
+            <a:off x="628650" y="6131533"/>
+            <a:ext cx="5518498" cy="369332"/>
+          </a:xfrm>
+          <a:prstGeom prst="rect">
+            <a:avLst/>
+          </a:prstGeom>
+          <a:noFill/>
+        </p:spPr>
+        <p:txBody>
+          <a:bodyPr wrap="none" rtlCol="0">
+            <a:spAutoFit/>
+          </a:bodyPr>
+          <a:lstStyle/>
+          <a:p>
+            <a:r>
+              <a:rPr lang="tr-TR" dirty="0" err="1"/>
+              <a:t>https</a:t>
+            </a:r>
+            <a:r>
+              <a:rPr lang="tr-TR" dirty="0"/>
+              <a:t>://</a:t>
+            </a:r>
+            <a:r>
+              <a:rPr lang="tr-TR" dirty="0" err="1"/>
+              <a:t>web.stanford.edu</a:t>
+            </a:r>
+            <a:r>
+              <a:rPr lang="tr-TR" dirty="0"/>
+              <a:t>/</a:t>
+            </a:r>
+            <a:r>
+              <a:rPr lang="tr-TR" dirty="0" err="1"/>
+              <a:t>class</a:t>
+            </a:r>
+            <a:r>
+              <a:rPr lang="tr-TR" dirty="0"/>
+              <a:t>/cs101/</a:t>
+            </a:r>
+            <a:r>
+              <a:rPr lang="tr-TR" dirty="0" err="1"/>
+              <a:t>bits-bytes.html</a:t>
+            </a:r>
+            <a:endParaRPr lang="tr-TR" dirty="0"/>
+          </a:p>
+        </p:txBody>
+      </p:sp>
+      <mc:AlternateContent xmlns:mc="http://schemas.openxmlformats.org/markup-compatibility/2006" xmlns:a14="http://schemas.microsoft.com/office/drawing/2010/main">
+        <mc:Choice Requires="a14">
+          <p:graphicFrame>
+            <p:nvGraphicFramePr>
+              <p:cNvPr id="7" name="Table 6">
+                <a:extLst>
+                  <a:ext uri="{FF2B5EF4-FFF2-40B4-BE49-F238E27FC236}">
+                    <a16:creationId xmlns:a16="http://schemas.microsoft.com/office/drawing/2014/main" id="{16F3B5F7-D6B5-A174-788D-2A7E70C7A4C4}"/>
+                  </a:ext>
+                </a:extLst>
+              </p:cNvPr>
+              <p:cNvGraphicFramePr>
+                <a:graphicFrameLocks noGrp="1"/>
+              </p:cNvGraphicFramePr>
+              <p:nvPr>
+                <p:extLst>
+                  <p:ext uri="{D42A27DB-BD31-4B8C-83A1-F6EECF244321}">
+                    <p14:modId xmlns:p14="http://schemas.microsoft.com/office/powerpoint/2010/main" val="2574290929"/>
+                  </p:ext>
+                </p:extLst>
+              </p:nvPr>
+            </p:nvGraphicFramePr>
+            <p:xfrm>
+              <a:off x="628650" y="1686071"/>
+              <a:ext cx="5046936" cy="2865120"/>
+            </p:xfrm>
+            <a:graphic>
+              <a:graphicData uri="http://schemas.openxmlformats.org/drawingml/2006/table">
+                <a:tbl>
+                  <a:tblPr firstRow="1" bandRow="1">
+                    <a:tableStyleId>{5C22544A-7EE6-4342-B048-85BDC9FD1C3A}</a:tableStyleId>
+                  </a:tblPr>
+                  <a:tblGrid>
+                    <a:gridCol w="2093529">
+                      <a:extLst>
+                        <a:ext uri="{9D8B030D-6E8A-4147-A177-3AD203B41FA5}">
+                          <a16:colId xmlns:a16="http://schemas.microsoft.com/office/drawing/2014/main" val="73335169"/>
+                        </a:ext>
+                      </a:extLst>
+                    </a:gridCol>
+                    <a:gridCol w="2953407">
+                      <a:extLst>
+                        <a:ext uri="{9D8B030D-6E8A-4147-A177-3AD203B41FA5}">
+                          <a16:colId xmlns:a16="http://schemas.microsoft.com/office/drawing/2014/main" val="2825158939"/>
+                        </a:ext>
+                      </a:extLst>
+                    </a:gridCol>
+                  </a:tblGrid>
+                  <a:tr h="370840">
+                    <a:tc>
+                      <a:txBody>
+                        <a:bodyPr/>
+                        <a:lstStyle/>
+                        <a:p>
+                          <a:r>
+                            <a:rPr lang="en-US" noProof="0" dirty="0"/>
+                            <a:t>Number of bits</a:t>
+                          </a:r>
+                        </a:p>
+                      </a:txBody>
+                      <a:tcPr/>
+                    </a:tc>
+                    <a:tc>
+                      <a:txBody>
+                        <a:bodyPr/>
+                        <a:lstStyle/>
+                        <a:p>
+                          <a:r>
+                            <a:rPr lang="en-US" noProof="0" dirty="0"/>
+                            <a:t>Different patterns</a:t>
+                          </a:r>
+                        </a:p>
+                      </a:txBody>
+                      <a:tcPr/>
+                    </a:tc>
+                    <a:extLst>
+                      <a:ext uri="{0D108BD9-81ED-4DB2-BD59-A6C34878D82A}">
+                        <a16:rowId xmlns:a16="http://schemas.microsoft.com/office/drawing/2014/main" val="612852848"/>
+                      </a:ext>
+                    </a:extLst>
+                  </a:tr>
+                  <a:tr h="370840">
+                    <a:tc>
+                      <a:txBody>
+                        <a:bodyPr/>
+                        <a:lstStyle/>
+                        <a:p>
+                          <a:r>
+                            <a:rPr lang="en-US" noProof="0" dirty="0"/>
+                            <a:t>1</a:t>
+                          </a:r>
+                        </a:p>
+                      </a:txBody>
+                      <a:tcPr/>
+                    </a:tc>
+                    <a:tc>
+                      <a:txBody>
+                        <a:bodyPr/>
+                        <a:lstStyle/>
+                        <a:p>
+                          <a:r>
+                            <a:rPr lang="en-US" noProof="0" dirty="0"/>
+                            <a:t>0, 1</a:t>
+                          </a:r>
+                        </a:p>
+                      </a:txBody>
+                      <a:tcPr/>
+                    </a:tc>
+                    <a:extLst>
+                      <a:ext uri="{0D108BD9-81ED-4DB2-BD59-A6C34878D82A}">
+                        <a16:rowId xmlns:a16="http://schemas.microsoft.com/office/drawing/2014/main" val="780287423"/>
+                      </a:ext>
+                    </a:extLst>
+                  </a:tr>
+                  <a:tr h="370840">
+                    <a:tc>
+                      <a:txBody>
+                        <a:bodyPr/>
+                        <a:lstStyle/>
+                        <a:p>
+                          <a:r>
+                            <a:rPr lang="en-US" noProof="0" dirty="0"/>
+                            <a:t>2</a:t>
+                          </a:r>
+                        </a:p>
+                      </a:txBody>
+                      <a:tcPr/>
+                    </a:tc>
+                    <a:tc>
+                      <a:txBody>
+                        <a:bodyPr/>
+                        <a:lstStyle/>
+                        <a:p>
+                          <a:r>
+                            <a:rPr lang="en-US" noProof="0" dirty="0"/>
+                            <a:t>00, 01, 10, 11</a:t>
+                          </a:r>
+                        </a:p>
+                      </a:txBody>
+                      <a:tcPr/>
+                    </a:tc>
+                    <a:extLst>
+                      <a:ext uri="{0D108BD9-81ED-4DB2-BD59-A6C34878D82A}">
+                        <a16:rowId xmlns:a16="http://schemas.microsoft.com/office/drawing/2014/main" val="568572440"/>
+                      </a:ext>
+                    </a:extLst>
+                  </a:tr>
+                  <a:tr h="370840">
+                    <a:tc>
+                      <a:txBody>
+                        <a:bodyPr/>
+                        <a:lstStyle/>
+                        <a:p>
+                          <a:r>
+                            <a:rPr lang="en-US" noProof="0" dirty="0"/>
+                            <a:t>3</a:t>
+                          </a:r>
+                        </a:p>
+                      </a:txBody>
+                      <a:tcPr/>
+                    </a:tc>
+                    <a:tc>
+                      <a:txBody>
+                        <a:bodyPr/>
+                        <a:lstStyle/>
+                        <a:p>
+                          <a:r>
+                            <a:rPr lang="en-US" noProof="0" dirty="0"/>
+                            <a:t>000, 001, 010, 011,</a:t>
+                          </a:r>
+                        </a:p>
+                        <a:p>
+                          <a:r>
+                            <a:rPr lang="en-US" noProof="0" dirty="0"/>
+                            <a:t>100, 101, 110, 111</a:t>
+                          </a:r>
+                        </a:p>
+                      </a:txBody>
+                      <a:tcPr/>
+                    </a:tc>
+                    <a:extLst>
+                      <a:ext uri="{0D108BD9-81ED-4DB2-BD59-A6C34878D82A}">
+                        <a16:rowId xmlns:a16="http://schemas.microsoft.com/office/drawing/2014/main" val="1221355047"/>
+                      </a:ext>
+                    </a:extLst>
+                  </a:tr>
+                  <a:tr h="370840">
+                    <a:tc>
+                      <a:txBody>
+                        <a:bodyPr/>
+                        <a:lstStyle/>
+                        <a:p>
+                          <a:r>
+                            <a:rPr lang="en-US" noProof="0" dirty="0"/>
+                            <a:t>...</a:t>
+                          </a:r>
+                        </a:p>
+                      </a:txBody>
+                      <a:tcPr/>
+                    </a:tc>
+                    <a:tc>
+                      <a:txBody>
+                        <a:bodyPr/>
+                        <a:lstStyle/>
+                        <a:p>
+                          <a:endParaRPr lang="en-US" noProof="0" dirty="0"/>
+                        </a:p>
+                      </a:txBody>
+                      <a:tcPr/>
+                    </a:tc>
+                    <a:extLst>
+                      <a:ext uri="{0D108BD9-81ED-4DB2-BD59-A6C34878D82A}">
+                        <a16:rowId xmlns:a16="http://schemas.microsoft.com/office/drawing/2014/main" val="2840244926"/>
+                      </a:ext>
+                    </a:extLst>
+                  </a:tr>
+                  <a:tr h="370840">
+                    <a:tc>
+                      <a:txBody>
+                        <a:bodyPr/>
+                        <a:lstStyle/>
+                        <a:p>
+                          <a:r>
+                            <a:rPr lang="en-US" noProof="0" dirty="0"/>
+                            <a:t>8</a:t>
+                          </a:r>
+                        </a:p>
+                      </a:txBody>
+                      <a:tcPr/>
+                    </a:tc>
+                    <a:tc>
+                      <a:txBody>
+                        <a:bodyPr/>
+                        <a:lstStyle/>
+                        <a:p>
+                          <a:r>
+                            <a:rPr lang="en-US" noProof="0" dirty="0"/>
+                            <a:t>256 different patterns</a:t>
+                          </a:r>
+                        </a:p>
+                      </a:txBody>
+                      <a:tcPr/>
+                    </a:tc>
+                    <a:extLst>
+                      <a:ext uri="{0D108BD9-81ED-4DB2-BD59-A6C34878D82A}">
+                        <a16:rowId xmlns:a16="http://schemas.microsoft.com/office/drawing/2014/main" val="2176644674"/>
+                      </a:ext>
+                    </a:extLst>
+                  </a:tr>
+                  <a:tr h="370840">
+                    <a:tc>
+                      <a:txBody>
+                        <a:bodyPr/>
+                        <a:lstStyle/>
+                        <a:p>
+                          <a:r>
+                            <a:rPr lang="en-US" noProof="0" dirty="0"/>
+                            <a:t>n</a:t>
+                          </a:r>
+                        </a:p>
+                      </a:txBody>
+                      <a:tcPr/>
+                    </a:tc>
+                    <a:tc>
+                      <a:txBody>
+                        <a:bodyPr/>
+                        <a:lstStyle/>
+                        <a:p>
+                          <a:pPr/>
+                          <a14:m>
+                            <m:oMathPara xmlns:m="http://schemas.openxmlformats.org/officeDocument/2006/math">
+                              <m:oMathParaPr>
+                                <m:jc m:val="left"/>
+                              </m:oMathParaPr>
+                              <m:oMath xmlns:m="http://schemas.openxmlformats.org/officeDocument/2006/math">
+                                <m:sSup>
+                                  <m:sSupPr>
+                                    <m:ctrlPr>
+                                      <a:rPr lang="en-US" i="1" noProof="0" smtClean="0">
+                                        <a:latin typeface="Cambria Math" panose="02040503050406030204" pitchFamily="18" charset="0"/>
+                                      </a:rPr>
+                                    </m:ctrlPr>
+                                  </m:sSupPr>
+                                  <m:e>
+                                    <m:r>
+                                      <a:rPr lang="en-US" b="0" i="1" noProof="0" smtClean="0">
+                                        <a:latin typeface="Cambria Math" panose="02040503050406030204" pitchFamily="18" charset="0"/>
+                                      </a:rPr>
+                                      <m:t>2</m:t>
+                                    </m:r>
+                                  </m:e>
+                                  <m:sup>
+                                    <m:r>
+                                      <a:rPr lang="en-US" b="0" i="1" noProof="0" smtClean="0">
+                                        <a:latin typeface="Cambria Math" panose="02040503050406030204" pitchFamily="18" charset="0"/>
+                                      </a:rPr>
+                                      <m:t>𝑛</m:t>
+                                    </m:r>
+                                  </m:sup>
+                                </m:sSup>
+                              </m:oMath>
+                            </m:oMathPara>
+                          </a14:m>
+                          <a:endParaRPr lang="en-US" noProof="0" dirty="0"/>
+                        </a:p>
+                      </a:txBody>
+                      <a:tcPr/>
+                    </a:tc>
+                    <a:extLst>
+                      <a:ext uri="{0D108BD9-81ED-4DB2-BD59-A6C34878D82A}">
+                        <a16:rowId xmlns:a16="http://schemas.microsoft.com/office/drawing/2014/main" val="766524757"/>
+                      </a:ext>
+                    </a:extLst>
+                  </a:tr>
+                </a:tbl>
+              </a:graphicData>
+            </a:graphic>
+          </p:graphicFrame>
+        </mc:Choice>
+        <mc:Fallback xmlns="">
+          <p:graphicFrame>
+            <p:nvGraphicFramePr>
+              <p:cNvPr id="7" name="Table 6">
+                <a:extLst>
+                  <a:ext uri="{FF2B5EF4-FFF2-40B4-BE49-F238E27FC236}">
+                    <a16:creationId xmlns:a16="http://schemas.microsoft.com/office/drawing/2014/main" id="{16F3B5F7-D6B5-A174-788D-2A7E70C7A4C4}"/>
+                  </a:ext>
+                </a:extLst>
+              </p:cNvPr>
+              <p:cNvGraphicFramePr>
+                <a:graphicFrameLocks noGrp="1"/>
+              </p:cNvGraphicFramePr>
+              <p:nvPr>
+                <p:extLst>
+                  <p:ext uri="{D42A27DB-BD31-4B8C-83A1-F6EECF244321}">
+                    <p14:modId xmlns:p14="http://schemas.microsoft.com/office/powerpoint/2010/main" val="2574290929"/>
+                  </p:ext>
+                </p:extLst>
+              </p:nvPr>
+            </p:nvGraphicFramePr>
+            <p:xfrm>
+              <a:off x="628650" y="1686071"/>
+              <a:ext cx="5046936" cy="2865120"/>
+            </p:xfrm>
+            <a:graphic>
+              <a:graphicData uri="http://schemas.openxmlformats.org/drawingml/2006/table">
+                <a:tbl>
+                  <a:tblPr firstRow="1" bandRow="1">
+                    <a:tableStyleId>{5C22544A-7EE6-4342-B048-85BDC9FD1C3A}</a:tableStyleId>
+                  </a:tblPr>
+                  <a:tblGrid>
+                    <a:gridCol w="2093529">
+                      <a:extLst>
+                        <a:ext uri="{9D8B030D-6E8A-4147-A177-3AD203B41FA5}">
+                          <a16:colId xmlns:a16="http://schemas.microsoft.com/office/drawing/2014/main" val="73335169"/>
+                        </a:ext>
+                      </a:extLst>
+                    </a:gridCol>
+                    <a:gridCol w="2953407">
+                      <a:extLst>
+                        <a:ext uri="{9D8B030D-6E8A-4147-A177-3AD203B41FA5}">
+                          <a16:colId xmlns:a16="http://schemas.microsoft.com/office/drawing/2014/main" val="2825158939"/>
+                        </a:ext>
+                      </a:extLst>
+                    </a:gridCol>
+                  </a:tblGrid>
+                  <a:tr h="370840">
+                    <a:tc>
+                      <a:txBody>
+                        <a:bodyPr/>
+                        <a:lstStyle/>
+                        <a:p>
+                          <a:r>
+                            <a:rPr lang="en-US" noProof="0" dirty="0"/>
+                            <a:t>Number of bits</a:t>
+                          </a:r>
+                        </a:p>
+                      </a:txBody>
+                      <a:tcPr/>
+                    </a:tc>
+                    <a:tc>
+                      <a:txBody>
+                        <a:bodyPr/>
+                        <a:lstStyle/>
+                        <a:p>
+                          <a:r>
+                            <a:rPr lang="en-US" noProof="0" dirty="0"/>
+                            <a:t>Different patterns</a:t>
+                          </a:r>
+                        </a:p>
+                      </a:txBody>
+                      <a:tcPr/>
+                    </a:tc>
+                    <a:extLst>
+                      <a:ext uri="{0D108BD9-81ED-4DB2-BD59-A6C34878D82A}">
+                        <a16:rowId xmlns:a16="http://schemas.microsoft.com/office/drawing/2014/main" val="612852848"/>
+                      </a:ext>
+                    </a:extLst>
+                  </a:tr>
+                  <a:tr h="370840">
+                    <a:tc>
+                      <a:txBody>
+                        <a:bodyPr/>
+                        <a:lstStyle/>
+                        <a:p>
+                          <a:r>
+                            <a:rPr lang="en-US" noProof="0" dirty="0"/>
+                            <a:t>1</a:t>
+                          </a:r>
+                        </a:p>
+                      </a:txBody>
+                      <a:tcPr/>
+                    </a:tc>
+                    <a:tc>
+                      <a:txBody>
+                        <a:bodyPr/>
+                        <a:lstStyle/>
+                        <a:p>
+                          <a:r>
+                            <a:rPr lang="en-US" noProof="0" dirty="0"/>
+                            <a:t>0, 1</a:t>
+                          </a:r>
+                        </a:p>
+                      </a:txBody>
+                      <a:tcPr/>
+                    </a:tc>
+                    <a:extLst>
+                      <a:ext uri="{0D108BD9-81ED-4DB2-BD59-A6C34878D82A}">
+                        <a16:rowId xmlns:a16="http://schemas.microsoft.com/office/drawing/2014/main" val="780287423"/>
+                      </a:ext>
+                    </a:extLst>
+                  </a:tr>
+                  <a:tr h="370840">
+                    <a:tc>
+                      <a:txBody>
+                        <a:bodyPr/>
+                        <a:lstStyle/>
+                        <a:p>
+                          <a:r>
+                            <a:rPr lang="en-US" noProof="0" dirty="0"/>
+                            <a:t>2</a:t>
+                          </a:r>
+                        </a:p>
+                      </a:txBody>
+                      <a:tcPr/>
+                    </a:tc>
+                    <a:tc>
+                      <a:txBody>
+                        <a:bodyPr/>
+                        <a:lstStyle/>
+                        <a:p>
+                          <a:r>
+                            <a:rPr lang="en-US" noProof="0" dirty="0"/>
+                            <a:t>00, 01, 10, 11</a:t>
+                          </a:r>
+                        </a:p>
+                      </a:txBody>
+                      <a:tcPr/>
+                    </a:tc>
+                    <a:extLst>
+                      <a:ext uri="{0D108BD9-81ED-4DB2-BD59-A6C34878D82A}">
+                        <a16:rowId xmlns:a16="http://schemas.microsoft.com/office/drawing/2014/main" val="568572440"/>
+                      </a:ext>
+                    </a:extLst>
+                  </a:tr>
+                  <a:tr h="640080">
+                    <a:tc>
+                      <a:txBody>
+                        <a:bodyPr/>
+                        <a:lstStyle/>
+                        <a:p>
+                          <a:r>
+                            <a:rPr lang="en-US" noProof="0" dirty="0"/>
+                            <a:t>3</a:t>
+                          </a:r>
+                        </a:p>
+                      </a:txBody>
+                      <a:tcPr/>
+                    </a:tc>
+                    <a:tc>
+                      <a:txBody>
+                        <a:bodyPr/>
+                        <a:lstStyle/>
+                        <a:p>
+                          <a:r>
+                            <a:rPr lang="en-US" noProof="0" dirty="0"/>
+                            <a:t>000, 001, 010, 011,</a:t>
+                          </a:r>
+                        </a:p>
+                        <a:p>
+                          <a:r>
+                            <a:rPr lang="en-US" noProof="0" dirty="0"/>
+                            <a:t>100, 101, 110, 111</a:t>
+                          </a:r>
+                        </a:p>
+                      </a:txBody>
+                      <a:tcPr/>
+                    </a:tc>
+                    <a:extLst>
+                      <a:ext uri="{0D108BD9-81ED-4DB2-BD59-A6C34878D82A}">
+                        <a16:rowId xmlns:a16="http://schemas.microsoft.com/office/drawing/2014/main" val="1221355047"/>
+                      </a:ext>
+                    </a:extLst>
+                  </a:tr>
+                  <a:tr h="370840">
+                    <a:tc>
+                      <a:txBody>
+                        <a:bodyPr/>
+                        <a:lstStyle/>
+                        <a:p>
+                          <a:r>
+                            <a:rPr lang="en-US" noProof="0" dirty="0"/>
+                            <a:t>...</a:t>
+                          </a:r>
+                        </a:p>
+                      </a:txBody>
+                      <a:tcPr/>
+                    </a:tc>
+                    <a:tc>
+                      <a:txBody>
+                        <a:bodyPr/>
+                        <a:lstStyle/>
+                        <a:p>
+                          <a:endParaRPr lang="en-US" noProof="0" dirty="0"/>
+                        </a:p>
+                      </a:txBody>
+                      <a:tcPr/>
+                    </a:tc>
+                    <a:extLst>
+                      <a:ext uri="{0D108BD9-81ED-4DB2-BD59-A6C34878D82A}">
+                        <a16:rowId xmlns:a16="http://schemas.microsoft.com/office/drawing/2014/main" val="2840244926"/>
+                      </a:ext>
+                    </a:extLst>
+                  </a:tr>
+                  <a:tr h="370840">
+                    <a:tc>
+                      <a:txBody>
+                        <a:bodyPr/>
+                        <a:lstStyle/>
+                        <a:p>
+                          <a:r>
+                            <a:rPr lang="en-US" noProof="0" dirty="0"/>
+                            <a:t>8</a:t>
+                          </a:r>
+                        </a:p>
+                      </a:txBody>
+                      <a:tcPr/>
+                    </a:tc>
+                    <a:tc>
+                      <a:txBody>
+                        <a:bodyPr/>
+                        <a:lstStyle/>
+                        <a:p>
+                          <a:r>
+                            <a:rPr lang="en-US" noProof="0" dirty="0"/>
+                            <a:t>256 different patterns</a:t>
+                          </a:r>
+                        </a:p>
+                      </a:txBody>
+                      <a:tcPr/>
+                    </a:tc>
+                    <a:extLst>
+                      <a:ext uri="{0D108BD9-81ED-4DB2-BD59-A6C34878D82A}">
+                        <a16:rowId xmlns:a16="http://schemas.microsoft.com/office/drawing/2014/main" val="2176644674"/>
+                      </a:ext>
+                    </a:extLst>
+                  </a:tr>
+                  <a:tr h="370840">
+                    <a:tc>
+                      <a:txBody>
+                        <a:bodyPr/>
+                        <a:lstStyle/>
+                        <a:p>
+                          <a:r>
+                            <a:rPr lang="en-US" noProof="0" dirty="0"/>
+                            <a:t>n</a:t>
+                          </a:r>
+                        </a:p>
+                      </a:txBody>
+                      <a:tcPr/>
+                    </a:tc>
+                    <a:tc>
+                      <a:txBody>
+                        <a:bodyPr/>
+                        <a:lstStyle/>
+                        <a:p>
+                          <a:endParaRPr lang="en-TR"/>
+                        </a:p>
+                      </a:txBody>
+                      <a:tcPr>
+                        <a:blipFill>
+                          <a:blip r:embed="rId3"/>
+                          <a:stretch>
+                            <a:fillRect l="-71245" t="-689655" r="-1288" b="-27586"/>
+                          </a:stretch>
+                        </a:blipFill>
+                      </a:tcPr>
+                    </a:tc>
+                    <a:extLst>
+                      <a:ext uri="{0D108BD9-81ED-4DB2-BD59-A6C34878D82A}">
+                        <a16:rowId xmlns:a16="http://schemas.microsoft.com/office/drawing/2014/main" val="766524757"/>
+                      </a:ext>
+                    </a:extLst>
+                  </a:tr>
+                </a:tbl>
+              </a:graphicData>
+            </a:graphic>
+          </p:graphicFrame>
+        </mc:Fallback>
+      </mc:AlternateContent>
+    </p:spTree>
+    <p:extLst>
+      <p:ext uri="{BB962C8B-B14F-4D97-AF65-F5344CB8AC3E}">
+        <p14:creationId xmlns:p14="http://schemas.microsoft.com/office/powerpoint/2010/main" val="1067728817"/>
+      </p:ext>
+    </p:extLst>
+  </p:cSld>
+  <p:clrMapOvr>
+    <a:masterClrMapping/>
+  </p:clrMapOvr>
+</p:sld>
+</file>
+
+<file path=ppt/slides/slide12.xml><?xml version="1.0" encoding="utf-8"?>
+<p:sld xmlns:a="http://schemas.openxmlformats.org/drawingml/2006/main" xmlns:r="http://schemas.openxmlformats.org/officeDocument/2006/relationships" xmlns:p="http://schemas.openxmlformats.org/presentationml/2006/main">
+  <p:cSld>
+    <p:spTree>
+      <p:nvGrpSpPr>
+        <p:cNvPr id="1" name="">
+          <a:extLst>
+            <a:ext uri="{FF2B5EF4-FFF2-40B4-BE49-F238E27FC236}">
+              <a16:creationId xmlns:a16="http://schemas.microsoft.com/office/drawing/2014/main" id="{A5E49907-346E-6DE4-765C-6DFD86359632}"/>
+            </a:ext>
+          </a:extLst>
+        </p:cNvPr>
+        <p:cNvGrpSpPr/>
+        <p:nvPr/>
+      </p:nvGrpSpPr>
+      <p:grpSpPr>
+        <a:xfrm>
+          <a:off x="0" y="0"/>
+          <a:ext cx="0" cy="0"/>
+          <a:chOff x="0" y="0"/>
+          <a:chExt cx="0" cy="0"/>
+        </a:xfrm>
+      </p:grpSpPr>
+      <p:sp>
+        <p:nvSpPr>
+          <p:cNvPr id="2" name="Title 1">
+            <a:extLst>
+              <a:ext uri="{FF2B5EF4-FFF2-40B4-BE49-F238E27FC236}">
+                <a16:creationId xmlns:a16="http://schemas.microsoft.com/office/drawing/2014/main" id="{9460BC0D-E0BC-D17A-67CE-3710600C572D}"/>
+              </a:ext>
+            </a:extLst>
+          </p:cNvPr>
+          <p:cNvSpPr>
+            <a:spLocks noGrp="1"/>
+          </p:cNvSpPr>
+          <p:nvPr>
+            <p:ph type="title"/>
+          </p:nvPr>
+        </p:nvSpPr>
+        <p:spPr/>
+        <p:txBody>
+          <a:bodyPr/>
+          <a:lstStyle/>
+          <a:p>
+            <a:r>
+              <a:rPr lang="en-US" noProof="0" dirty="0"/>
+              <a:t>Bits &amp; Bytes</a:t>
+            </a:r>
+          </a:p>
+        </p:txBody>
+      </p:sp>
+      <p:sp>
+        <p:nvSpPr>
+          <p:cNvPr id="4" name="TextBox 3">
+            <a:extLst>
+              <a:ext uri="{FF2B5EF4-FFF2-40B4-BE49-F238E27FC236}">
+                <a16:creationId xmlns:a16="http://schemas.microsoft.com/office/drawing/2014/main" id="{173383C0-8A95-5701-97EA-3A0F55D0AA02}"/>
+              </a:ext>
+            </a:extLst>
+          </p:cNvPr>
+          <p:cNvSpPr txBox="1"/>
+          <p:nvPr/>
+        </p:nvSpPr>
+        <p:spPr>
+          <a:xfrm>
+            <a:off x="628650" y="6131533"/>
+            <a:ext cx="5518498" cy="369332"/>
+          </a:xfrm>
+          <a:prstGeom prst="rect">
+            <a:avLst/>
+          </a:prstGeom>
+          <a:noFill/>
+        </p:spPr>
+        <p:txBody>
+          <a:bodyPr wrap="none" rtlCol="0">
+            <a:spAutoFit/>
+          </a:bodyPr>
+          <a:lstStyle/>
+          <a:p>
+            <a:r>
+              <a:rPr lang="tr-TR" dirty="0" err="1"/>
+              <a:t>https</a:t>
+            </a:r>
+            <a:r>
+              <a:rPr lang="tr-TR" dirty="0"/>
+              <a:t>://</a:t>
+            </a:r>
+            <a:r>
+              <a:rPr lang="tr-TR" dirty="0" err="1"/>
+              <a:t>web.stanford.edu</a:t>
+            </a:r>
+            <a:r>
+              <a:rPr lang="tr-TR" dirty="0"/>
+              <a:t>/</a:t>
+            </a:r>
+            <a:r>
+              <a:rPr lang="tr-TR" dirty="0" err="1"/>
+              <a:t>class</a:t>
+            </a:r>
+            <a:r>
+              <a:rPr lang="tr-TR" dirty="0"/>
+              <a:t>/cs101/</a:t>
+            </a:r>
+            <a:r>
+              <a:rPr lang="tr-TR" dirty="0" err="1"/>
+              <a:t>bits-bytes.html</a:t>
+            </a:r>
+            <a:endParaRPr lang="tr-TR" dirty="0"/>
+          </a:p>
+        </p:txBody>
+      </p:sp>
+      <p:sp>
+        <p:nvSpPr>
+          <p:cNvPr id="3" name="TextBox 2">
+            <a:extLst>
+              <a:ext uri="{FF2B5EF4-FFF2-40B4-BE49-F238E27FC236}">
+                <a16:creationId xmlns:a16="http://schemas.microsoft.com/office/drawing/2014/main" id="{F2FF7A71-9585-4785-422F-0C3B8D9CE062}"/>
+              </a:ext>
+            </a:extLst>
+          </p:cNvPr>
+          <p:cNvSpPr txBox="1"/>
+          <p:nvPr/>
+        </p:nvSpPr>
+        <p:spPr>
+          <a:xfrm>
+            <a:off x="628649" y="1690689"/>
+            <a:ext cx="7886700" cy="3714671"/>
+          </a:xfrm>
+          <a:prstGeom prst="rect">
+            <a:avLst/>
+          </a:prstGeom>
+          <a:noFill/>
+        </p:spPr>
+        <p:txBody>
+          <a:bodyPr wrap="square" rtlCol="0">
+            <a:spAutoFit/>
+          </a:bodyPr>
+          <a:lstStyle/>
+          <a:p>
+            <a:pPr marL="457200" indent="-457200">
+              <a:lnSpc>
+                <a:spcPct val="150000"/>
+              </a:lnSpc>
+              <a:buFont typeface="Arial" panose="020B0604020202020204" pitchFamily="34" charset="0"/>
+              <a:buChar char="•"/>
+            </a:pPr>
+            <a:r>
+              <a:rPr lang="tr-TR" sz="3200" dirty="0"/>
+              <a:t>1 Byte (B) = 8 </a:t>
+            </a:r>
+            <a:r>
+              <a:rPr lang="tr-TR" sz="3200" dirty="0" err="1"/>
+              <a:t>Bits</a:t>
+            </a:r>
+            <a:endParaRPr lang="tr-TR" sz="3200" dirty="0"/>
+          </a:p>
+          <a:p>
+            <a:pPr marL="457200" indent="-457200">
+              <a:lnSpc>
+                <a:spcPct val="150000"/>
+              </a:lnSpc>
+              <a:buFont typeface="Arial" panose="020B0604020202020204" pitchFamily="34" charset="0"/>
+              <a:buChar char="•"/>
+            </a:pPr>
+            <a:r>
+              <a:rPr lang="tr-TR" sz="3200" dirty="0"/>
+              <a:t>1 KB = 1024 </a:t>
+            </a:r>
+            <a:r>
+              <a:rPr lang="tr-TR" sz="3200" dirty="0" err="1"/>
+              <a:t>Bs</a:t>
+            </a:r>
+            <a:endParaRPr lang="tr-TR" sz="3200" dirty="0"/>
+          </a:p>
+          <a:p>
+            <a:pPr marL="457200" indent="-457200">
+              <a:lnSpc>
+                <a:spcPct val="150000"/>
+              </a:lnSpc>
+              <a:buFont typeface="Arial" panose="020B0604020202020204" pitchFamily="34" charset="0"/>
+              <a:buChar char="•"/>
+            </a:pPr>
+            <a:r>
+              <a:rPr lang="tr-TR" sz="3200" dirty="0"/>
+              <a:t>1 MB = 1024 </a:t>
+            </a:r>
+            <a:r>
+              <a:rPr lang="tr-TR" sz="3200" dirty="0" err="1"/>
+              <a:t>KBs</a:t>
+            </a:r>
+            <a:endParaRPr lang="tr-TR" sz="3200" dirty="0"/>
+          </a:p>
+          <a:p>
+            <a:pPr marL="457200" indent="-457200">
+              <a:lnSpc>
+                <a:spcPct val="150000"/>
+              </a:lnSpc>
+              <a:buFont typeface="Arial" panose="020B0604020202020204" pitchFamily="34" charset="0"/>
+              <a:buChar char="•"/>
+            </a:pPr>
+            <a:r>
+              <a:rPr lang="tr-TR" sz="3200" dirty="0"/>
+              <a:t>1 GB = 1024 </a:t>
+            </a:r>
+            <a:r>
+              <a:rPr lang="tr-TR" sz="3200" dirty="0" err="1"/>
+              <a:t>MBs</a:t>
+            </a:r>
+            <a:endParaRPr lang="tr-TR" sz="3200" dirty="0"/>
+          </a:p>
+          <a:p>
+            <a:pPr marL="457200" indent="-457200">
+              <a:lnSpc>
+                <a:spcPct val="150000"/>
+              </a:lnSpc>
+              <a:buFont typeface="Arial" panose="020B0604020202020204" pitchFamily="34" charset="0"/>
+              <a:buChar char="•"/>
+            </a:pPr>
+            <a:r>
+              <a:rPr lang="tr-TR" sz="3200" dirty="0"/>
+              <a:t>1 TB = 1024 </a:t>
+            </a:r>
+            <a:r>
+              <a:rPr lang="tr-TR" sz="3200" dirty="0" err="1"/>
+              <a:t>GBs</a:t>
+            </a:r>
+            <a:endParaRPr lang="tr-TR" sz="3200" dirty="0"/>
+          </a:p>
+        </p:txBody>
+      </p:sp>
+    </p:spTree>
+    <p:extLst>
+      <p:ext uri="{BB962C8B-B14F-4D97-AF65-F5344CB8AC3E}">
+        <p14:creationId xmlns:p14="http://schemas.microsoft.com/office/powerpoint/2010/main" val="1794641908"/>
+      </p:ext>
+    </p:extLst>
+  </p:cSld>
+  <p:clrMapOvr>
+    <a:masterClrMapping/>
+  </p:clrMapOvr>
+</p:sld>
+</file>
+
+<file path=ppt/slides/slide13.xml><?xml version="1.0" encoding="utf-8"?>
+<p:sld xmlns:a="http://schemas.openxmlformats.org/drawingml/2006/main" xmlns:r="http://schemas.openxmlformats.org/officeDocument/2006/relationships" xmlns:p="http://schemas.openxmlformats.org/presentationml/2006/main">
+  <p:cSld>
+    <p:spTree>
+      <p:nvGrpSpPr>
+        <p:cNvPr id="1" name="">
+          <a:extLst>
+            <a:ext uri="{FF2B5EF4-FFF2-40B4-BE49-F238E27FC236}">
+              <a16:creationId xmlns:a16="http://schemas.microsoft.com/office/drawing/2014/main" id="{1DEFF333-CAEE-019D-901B-0312B3C0DC54}"/>
+            </a:ext>
+          </a:extLst>
+        </p:cNvPr>
+        <p:cNvGrpSpPr/>
+        <p:nvPr/>
+      </p:nvGrpSpPr>
+      <p:grpSpPr>
+        <a:xfrm>
+          <a:off x="0" y="0"/>
+          <a:ext cx="0" cy="0"/>
+          <a:chOff x="0" y="0"/>
+          <a:chExt cx="0" cy="0"/>
+        </a:xfrm>
+      </p:grpSpPr>
+      <p:sp>
+        <p:nvSpPr>
+          <p:cNvPr id="2" name="Title 1">
+            <a:extLst>
+              <a:ext uri="{FF2B5EF4-FFF2-40B4-BE49-F238E27FC236}">
+                <a16:creationId xmlns:a16="http://schemas.microsoft.com/office/drawing/2014/main" id="{E0CCAA0A-E276-79F2-7C0A-F9D8D0941C9D}"/>
+              </a:ext>
+            </a:extLst>
+          </p:cNvPr>
+          <p:cNvSpPr>
+            <a:spLocks noGrp="1"/>
+          </p:cNvSpPr>
+          <p:nvPr>
+            <p:ph type="title"/>
+          </p:nvPr>
+        </p:nvSpPr>
+        <p:spPr/>
+        <p:txBody>
+          <a:bodyPr/>
+          <a:lstStyle/>
+          <a:p>
+            <a:r>
+              <a:rPr lang="en-US" noProof="0" dirty="0"/>
+              <a:t>Bits &amp; Bytes</a:t>
+            </a:r>
+          </a:p>
+        </p:txBody>
+      </p:sp>
+      <p:sp>
+        <p:nvSpPr>
+          <p:cNvPr id="3" name="TextBox 2">
+            <a:extLst>
+              <a:ext uri="{FF2B5EF4-FFF2-40B4-BE49-F238E27FC236}">
+                <a16:creationId xmlns:a16="http://schemas.microsoft.com/office/drawing/2014/main" id="{46C62B2C-DD01-7720-859D-C4CBC81F37A9}"/>
+              </a:ext>
+            </a:extLst>
+          </p:cNvPr>
+          <p:cNvSpPr txBox="1"/>
+          <p:nvPr/>
+        </p:nvSpPr>
+        <p:spPr>
+          <a:xfrm>
+            <a:off x="628649" y="1690689"/>
+            <a:ext cx="7886700" cy="3714671"/>
+          </a:xfrm>
+          <a:prstGeom prst="rect">
+            <a:avLst/>
+          </a:prstGeom>
+          <a:noFill/>
+        </p:spPr>
+        <p:txBody>
+          <a:bodyPr wrap="square" rtlCol="0">
+            <a:spAutoFit/>
+          </a:bodyPr>
+          <a:lstStyle/>
+          <a:p>
+            <a:pPr>
+              <a:lnSpc>
+                <a:spcPct val="150000"/>
+              </a:lnSpc>
+            </a:pPr>
+            <a:r>
+              <a:rPr lang="tr-TR" sz="3200" dirty="0" err="1"/>
+              <a:t>Decimal</a:t>
+            </a:r>
+            <a:r>
+              <a:rPr lang="tr-TR" sz="3200" dirty="0"/>
+              <a:t> </a:t>
+            </a:r>
+            <a:r>
+              <a:rPr lang="en-TR" sz="3200" dirty="0"/>
+              <a:t>↔ </a:t>
+            </a:r>
+            <a:r>
+              <a:rPr lang="tr-TR" sz="3200" dirty="0" err="1"/>
+              <a:t>Binary</a:t>
+            </a:r>
+            <a:r>
+              <a:rPr lang="tr-TR" sz="3200" dirty="0"/>
+              <a:t> </a:t>
+            </a:r>
+            <a:r>
+              <a:rPr lang="tr-TR" sz="3200" dirty="0" err="1"/>
+              <a:t>conversion</a:t>
+            </a:r>
+            <a:r>
+              <a:rPr lang="tr-TR" sz="3200" dirty="0"/>
+              <a:t>:</a:t>
+            </a:r>
+          </a:p>
+          <a:p>
+            <a:pPr>
+              <a:lnSpc>
+                <a:spcPct val="150000"/>
+              </a:lnSpc>
+            </a:pPr>
+            <a:endParaRPr lang="tr-TR" sz="3200" dirty="0"/>
+          </a:p>
+          <a:p>
+            <a:pPr>
+              <a:lnSpc>
+                <a:spcPct val="150000"/>
+              </a:lnSpc>
+            </a:pPr>
+            <a:r>
+              <a:rPr lang="tr-TR" sz="3200" dirty="0" err="1">
+                <a:hlinkClick r:id="rId3"/>
+              </a:rPr>
+              <a:t>https</a:t>
+            </a:r>
+            <a:r>
+              <a:rPr lang="tr-TR" sz="3200" dirty="0">
+                <a:hlinkClick r:id="rId3"/>
+              </a:rPr>
+              <a:t>://</a:t>
+            </a:r>
+            <a:r>
+              <a:rPr lang="tr-TR" sz="3200" dirty="0" err="1">
+                <a:hlinkClick r:id="rId3"/>
+              </a:rPr>
+              <a:t>www.rapidtables.com</a:t>
+            </a:r>
+            <a:r>
+              <a:rPr lang="tr-TR" sz="3200" dirty="0">
+                <a:hlinkClick r:id="rId3"/>
+              </a:rPr>
+              <a:t>/</a:t>
+            </a:r>
+            <a:r>
+              <a:rPr lang="tr-TR" sz="3200" dirty="0" err="1">
+                <a:hlinkClick r:id="rId3"/>
+              </a:rPr>
+              <a:t>convert</a:t>
+            </a:r>
+            <a:r>
+              <a:rPr lang="tr-TR" sz="3200" dirty="0">
+                <a:hlinkClick r:id="rId3"/>
+              </a:rPr>
+              <a:t>/</a:t>
+            </a:r>
+            <a:r>
+              <a:rPr lang="tr-TR" sz="3200" dirty="0" err="1">
+                <a:hlinkClick r:id="rId3"/>
+              </a:rPr>
+              <a:t>number</a:t>
+            </a:r>
+            <a:r>
+              <a:rPr lang="tr-TR" sz="3200" dirty="0">
+                <a:hlinkClick r:id="rId3"/>
+              </a:rPr>
+              <a:t>/how-</a:t>
+            </a:r>
+            <a:r>
+              <a:rPr lang="tr-TR" sz="3200" dirty="0" err="1">
+                <a:hlinkClick r:id="rId3"/>
+              </a:rPr>
+              <a:t>binary</a:t>
+            </a:r>
+            <a:r>
+              <a:rPr lang="tr-TR" sz="3200" dirty="0">
+                <a:hlinkClick r:id="rId3"/>
+              </a:rPr>
+              <a:t>-</a:t>
+            </a:r>
+            <a:r>
+              <a:rPr lang="tr-TR" sz="3200" dirty="0" err="1">
+                <a:hlinkClick r:id="rId3"/>
+              </a:rPr>
+              <a:t>to-decimal.html</a:t>
+            </a:r>
+            <a:endParaRPr lang="tr-TR" sz="3200" dirty="0"/>
+          </a:p>
+          <a:p>
+            <a:pPr>
+              <a:lnSpc>
+                <a:spcPct val="150000"/>
+              </a:lnSpc>
+            </a:pPr>
+            <a:endParaRPr lang="tr-TR" sz="3200" dirty="0"/>
+          </a:p>
+        </p:txBody>
+      </p:sp>
+    </p:spTree>
+    <p:extLst>
+      <p:ext uri="{BB962C8B-B14F-4D97-AF65-F5344CB8AC3E}">
+        <p14:creationId xmlns:p14="http://schemas.microsoft.com/office/powerpoint/2010/main" val="1096461894"/>
       </p:ext>
     </p:extLst>
   </p:cSld>
@@ -4996,4 +7166,319 @@
     </a:ext>
   </a:extLst>
 </a:theme>
+</file>
+
+<file path=ppt/theme/theme2.xml><?xml version="1.0" encoding="utf-8"?>
+<a:theme xmlns:a="http://schemas.openxmlformats.org/drawingml/2006/main" name="Office Theme">
+  <a:themeElements>
+    <a:clrScheme name="Office">
+      <a:dk1>
+        <a:sysClr val="windowText" lastClr="000000"/>
+      </a:dk1>
+      <a:lt1>
+        <a:sysClr val="window" lastClr="FFFFFF"/>
+      </a:lt1>
+      <a:dk2>
+        <a:srgbClr val="0E2841"/>
+      </a:dk2>
+      <a:lt2>
+        <a:srgbClr val="E8E8E8"/>
+      </a:lt2>
+      <a:accent1>
+        <a:srgbClr val="156082"/>
+      </a:accent1>
+      <a:accent2>
+        <a:srgbClr val="E97132"/>
+      </a:accent2>
+      <a:accent3>
+        <a:srgbClr val="196B24"/>
+      </a:accent3>
+      <a:accent4>
+        <a:srgbClr val="0F9ED5"/>
+      </a:accent4>
+      <a:accent5>
+        <a:srgbClr val="A02B93"/>
+      </a:accent5>
+      <a:accent6>
+        <a:srgbClr val="4EA72E"/>
+      </a:accent6>
+      <a:hlink>
+        <a:srgbClr val="467886"/>
+      </a:hlink>
+      <a:folHlink>
+        <a:srgbClr val="96607D"/>
+      </a:folHlink>
+    </a:clrScheme>
+    <a:fontScheme name="Office">
+      <a:majorFont>
+        <a:latin typeface="Aptos Display" panose="02110004020202020204"/>
+        <a:ea typeface=""/>
+        <a:cs typeface=""/>
+        <a:font script="Jpan" typeface="游ゴシック Light"/>
+        <a:font script="Hang" typeface="맑은 고딕"/>
+        <a:font script="Hans" typeface="等线 Light"/>
+        <a:font script="Hant" typeface="新細明體"/>
+        <a:font script="Arab" typeface="Times New Roman"/>
+        <a:font script="Hebr" typeface="Times New Roman"/>
+        <a:font script="Thai" typeface="Angsana New"/>
+        <a:font script="Ethi" typeface="Nyala"/>
+        <a:font script="Beng" typeface="Vrinda"/>
+        <a:font script="Gujr" typeface="Shruti"/>
+        <a:font script="Khmr" typeface="MoolBoran"/>
+        <a:font script="Knda" typeface="Tunga"/>
+        <a:font script="Guru" typeface="Raavi"/>
+        <a:font script="Cans" typeface="Euphemia"/>
+        <a:font script="Cher" typeface="Plantagenet Cherokee"/>
+        <a:font script="Yiii" typeface="Microsoft Yi Baiti"/>
+        <a:font script="Tibt" typeface="Microsoft Himalaya"/>
+        <a:font script="Thaa" typeface="MV Boli"/>
+        <a:font script="Deva" typeface="Mangal"/>
+        <a:font script="Telu" typeface="Gautami"/>
+        <a:font script="Taml" typeface="Latha"/>
+        <a:font script="Syrc" typeface="Estrangelo Edessa"/>
+        <a:font script="Orya" typeface="Kalinga"/>
+        <a:font script="Mlym" typeface="Kartika"/>
+        <a:font script="Laoo" typeface="DokChampa"/>
+        <a:font script="Sinh" typeface="Iskoola Pota"/>
+        <a:font script="Mong" typeface="Mongolian Baiti"/>
+        <a:font script="Viet" typeface="Times New Roman"/>
+        <a:font script="Uigh" typeface="Microsoft Uighur"/>
+        <a:font script="Geor" typeface="Sylfaen"/>
+        <a:font script="Armn" typeface="Arial"/>
+        <a:font script="Bugi" typeface="Leelawadee UI"/>
+        <a:font script="Bopo" typeface="Microsoft JhengHei"/>
+        <a:font script="Java" typeface="Javanese Text"/>
+        <a:font script="Lisu" typeface="Segoe UI"/>
+        <a:font script="Mymr" typeface="Myanmar Text"/>
+        <a:font script="Nkoo" typeface="Ebrima"/>
+        <a:font script="Olck" typeface="Nirmala UI"/>
+        <a:font script="Osma" typeface="Ebrima"/>
+        <a:font script="Phag" typeface="Phagspa"/>
+        <a:font script="Syrn" typeface="Estrangelo Edessa"/>
+        <a:font script="Syrj" typeface="Estrangelo Edessa"/>
+        <a:font script="Syre" typeface="Estrangelo Edessa"/>
+        <a:font script="Sora" typeface="Nirmala UI"/>
+        <a:font script="Tale" typeface="Microsoft Tai Le"/>
+        <a:font script="Talu" typeface="Microsoft New Tai Lue"/>
+        <a:font script="Tfng" typeface="Ebrima"/>
+      </a:majorFont>
+      <a:minorFont>
+        <a:latin typeface="Aptos" panose="02110004020202020204"/>
+        <a:ea typeface=""/>
+        <a:cs typeface=""/>
+        <a:font script="Jpan" typeface="游ゴシック"/>
+        <a:font script="Hang" typeface="맑은 고딕"/>
+        <a:font script="Hans" typeface="等线"/>
+        <a:font script="Hant" typeface="新細明體"/>
+        <a:font script="Arab" typeface="Arial"/>
+        <a:font script="Hebr" typeface="Arial"/>
+        <a:font script="Thai" typeface="Cordia New"/>
+        <a:font script="Ethi" typeface="Nyala"/>
+        <a:font script="Beng" typeface="Vrinda"/>
+        <a:font script="Gujr" typeface="Shruti"/>
+        <a:font script="Khmr" typeface="DaunPenh"/>
+        <a:font script="Knda" typeface="Tunga"/>
+        <a:font script="Guru" typeface="Raavi"/>
+        <a:font script="Cans" typeface="Euphemia"/>
+        <a:font script="Cher" typeface="Plantagenet Cherokee"/>
+        <a:font script="Yiii" typeface="Microsoft Yi Baiti"/>
+        <a:font script="Tibt" typeface="Microsoft Himalaya"/>
+        <a:font script="Thaa" typeface="MV Boli"/>
+        <a:font script="Deva" typeface="Mangal"/>
+        <a:font script="Telu" typeface="Gautami"/>
+        <a:font script="Taml" typeface="Latha"/>
+        <a:font script="Syrc" typeface="Estrangelo Edessa"/>
+        <a:font script="Orya" typeface="Kalinga"/>
+        <a:font script="Mlym" typeface="Kartika"/>
+        <a:font script="Laoo" typeface="DokChampa"/>
+        <a:font script="Sinh" typeface="Iskoola Pota"/>
+        <a:font script="Mong" typeface="Mongolian Baiti"/>
+        <a:font script="Viet" typeface="Arial"/>
+        <a:font script="Uigh" typeface="Microsoft Uighur"/>
+        <a:font script="Geor" typeface="Sylfaen"/>
+        <a:font script="Armn" typeface="Arial"/>
+        <a:font script="Bugi" typeface="Leelawadee UI"/>
+        <a:font script="Bopo" typeface="Microsoft JhengHei"/>
+        <a:font script="Java" typeface="Javanese Text"/>
+        <a:font script="Lisu" typeface="Segoe UI"/>
+        <a:font script="Mymr" typeface="Myanmar Text"/>
+        <a:font script="Nkoo" typeface="Ebrima"/>
+        <a:font script="Olck" typeface="Nirmala UI"/>
+        <a:font script="Osma" typeface="Ebrima"/>
+        <a:font script="Phag" typeface="Phagspa"/>
+        <a:font script="Syrn" typeface="Estrangelo Edessa"/>
+        <a:font script="Syrj" typeface="Estrangelo Edessa"/>
+        <a:font script="Syre" typeface="Estrangelo Edessa"/>
+        <a:font script="Sora" typeface="Nirmala UI"/>
+        <a:font script="Tale" typeface="Microsoft Tai Le"/>
+        <a:font script="Talu" typeface="Microsoft New Tai Lue"/>
+        <a:font script="Tfng" typeface="Ebrima"/>
+      </a:minorFont>
+    </a:fontScheme>
+    <a:fmtScheme name="Office">
+      <a:fillStyleLst>
+        <a:solidFill>
+          <a:schemeClr val="phClr"/>
+        </a:solidFill>
+        <a:gradFill rotWithShape="1">
+          <a:gsLst>
+            <a:gs pos="0">
+              <a:schemeClr val="phClr">
+                <a:lumMod val="110000"/>
+                <a:satMod val="105000"/>
+                <a:tint val="67000"/>
+              </a:schemeClr>
+            </a:gs>
+            <a:gs pos="50000">
+              <a:schemeClr val="phClr">
+                <a:lumMod val="105000"/>
+                <a:satMod val="103000"/>
+                <a:tint val="73000"/>
+              </a:schemeClr>
+            </a:gs>
+            <a:gs pos="100000">
+              <a:schemeClr val="phClr">
+                <a:lumMod val="105000"/>
+                <a:satMod val="109000"/>
+                <a:tint val="81000"/>
+              </a:schemeClr>
+            </a:gs>
+          </a:gsLst>
+          <a:lin ang="5400000" scaled="0"/>
+        </a:gradFill>
+        <a:gradFill rotWithShape="1">
+          <a:gsLst>
+            <a:gs pos="0">
+              <a:schemeClr val="phClr">
+                <a:satMod val="103000"/>
+                <a:lumMod val="102000"/>
+                <a:tint val="94000"/>
+              </a:schemeClr>
+            </a:gs>
+            <a:gs pos="50000">
+              <a:schemeClr val="phClr">
+                <a:satMod val="110000"/>
+                <a:lumMod val="100000"/>
+                <a:shade val="100000"/>
+              </a:schemeClr>
+            </a:gs>
+            <a:gs pos="100000">
+              <a:schemeClr val="phClr">
+                <a:lumMod val="99000"/>
+                <a:satMod val="120000"/>
+                <a:shade val="78000"/>
+              </a:schemeClr>
+            </a:gs>
+          </a:gsLst>
+          <a:lin ang="5400000" scaled="0"/>
+        </a:gradFill>
+      </a:fillStyleLst>
+      <a:lnStyleLst>
+        <a:ln w="12700" cap="flat" cmpd="sng" algn="ctr">
+          <a:solidFill>
+            <a:schemeClr val="phClr"/>
+          </a:solidFill>
+          <a:prstDash val="solid"/>
+          <a:miter lim="800000"/>
+        </a:ln>
+        <a:ln w="19050" cap="flat" cmpd="sng" algn="ctr">
+          <a:solidFill>
+            <a:schemeClr val="phClr"/>
+          </a:solidFill>
+          <a:prstDash val="solid"/>
+          <a:miter lim="800000"/>
+        </a:ln>
+        <a:ln w="25400" cap="flat" cmpd="sng" algn="ctr">
+          <a:solidFill>
+            <a:schemeClr val="phClr"/>
+          </a:solidFill>
+          <a:prstDash val="solid"/>
+          <a:miter lim="800000"/>
+        </a:ln>
+      </a:lnStyleLst>
+      <a:effectStyleLst>
+        <a:effectStyle>
+          <a:effectLst/>
+        </a:effectStyle>
+        <a:effectStyle>
+          <a:effectLst/>
+        </a:effectStyle>
+        <a:effectStyle>
+          <a:effectLst>
+            <a:outerShdw blurRad="57150" dist="19050" dir="5400000" algn="ctr" rotWithShape="0">
+              <a:srgbClr val="000000">
+                <a:alpha val="63000"/>
+              </a:srgbClr>
+            </a:outerShdw>
+          </a:effectLst>
+        </a:effectStyle>
+      </a:effectStyleLst>
+      <a:bgFillStyleLst>
+        <a:solidFill>
+          <a:schemeClr val="phClr"/>
+        </a:solidFill>
+        <a:solidFill>
+          <a:schemeClr val="phClr">
+            <a:tint val="95000"/>
+            <a:satMod val="170000"/>
+          </a:schemeClr>
+        </a:solidFill>
+        <a:gradFill rotWithShape="1">
+          <a:gsLst>
+            <a:gs pos="0">
+              <a:schemeClr val="phClr">
+                <a:tint val="93000"/>
+                <a:satMod val="150000"/>
+                <a:shade val="98000"/>
+                <a:lumMod val="102000"/>
+              </a:schemeClr>
+            </a:gs>
+            <a:gs pos="50000">
+              <a:schemeClr val="phClr">
+                <a:tint val="98000"/>
+                <a:satMod val="130000"/>
+                <a:shade val="90000"/>
+                <a:lumMod val="103000"/>
+              </a:schemeClr>
+            </a:gs>
+            <a:gs pos="100000">
+              <a:schemeClr val="phClr">
+                <a:shade val="63000"/>
+                <a:satMod val="120000"/>
+              </a:schemeClr>
+            </a:gs>
+          </a:gsLst>
+          <a:lin ang="5400000" scaled="0"/>
+        </a:gradFill>
+      </a:bgFillStyleLst>
+    </a:fmtScheme>
+  </a:themeElements>
+  <a:objectDefaults>
+    <a:lnDef>
+      <a:spPr/>
+      <a:bodyPr/>
+      <a:lstStyle/>
+      <a:style>
+        <a:lnRef idx="2">
+          <a:schemeClr val="accent1"/>
+        </a:lnRef>
+        <a:fillRef idx="0">
+          <a:schemeClr val="accent1"/>
+        </a:fillRef>
+        <a:effectRef idx="1">
+          <a:schemeClr val="accent1"/>
+        </a:effectRef>
+        <a:fontRef idx="minor">
+          <a:schemeClr val="tx1"/>
+        </a:fontRef>
+      </a:style>
+    </a:lnDef>
+  </a:objectDefaults>
+  <a:extraClrSchemeLst/>
+  <a:extLst>
+    <a:ext uri="{05A4C25C-085E-4340-85A3-A5531E510DB2}">
+      <thm15:themeFamily xmlns:thm15="http://schemas.microsoft.com/office/thememl/2012/main" name="Office Theme" id="{2E142A2C-CD16-42D6-873A-C26D2A0506FA}" vid="{1BDDFF52-6CD6-40A5-AB3C-68EB2F1E4D0A}"/>
+    </a:ext>
+  </a:extLst>
+</a:theme>
 </file>